--- a/Documentation/diagrams.pptx
+++ b/Documentation/diagrams.pptx
@@ -5342,6 +5342,103 @@
       </p:grpSpPr>
       <p:sp>
         <p:nvSpPr>
+          <p:cNvPr id="16" name="Vývojový diagram: postup 15"/>
+          <p:cNvSpPr/>
+          <p:nvPr/>
+        </p:nvSpPr>
+        <p:spPr>
+          <a:xfrm>
+            <a:off x="0" y="3214686"/>
+            <a:ext cx="9144000" cy="3286148"/>
+          </a:xfrm>
+          <a:prstGeom prst="flowChartProcess">
+            <a:avLst/>
+          </a:prstGeom>
+          <a:solidFill>
+            <a:schemeClr val="bg1">
+              <a:lumMod val="95000"/>
+            </a:schemeClr>
+          </a:solidFill>
+          <a:ln>
+            <a:noFill/>
+          </a:ln>
+        </p:spPr>
+        <p:style>
+          <a:lnRef idx="2">
+            <a:schemeClr val="accent1">
+              <a:shade val="50000"/>
+            </a:schemeClr>
+          </a:lnRef>
+          <a:fillRef idx="1">
+            <a:schemeClr val="accent1"/>
+          </a:fillRef>
+          <a:effectRef idx="0">
+            <a:schemeClr val="accent1"/>
+          </a:effectRef>
+          <a:fontRef idx="minor">
+            <a:schemeClr val="lt1"/>
+          </a:fontRef>
+        </p:style>
+        <p:txBody>
+          <a:bodyPr rtlCol="0" anchor="ctr"/>
+          <a:lstStyle/>
+          <a:p>
+            <a:pPr algn="ctr"/>
+            <a:endParaRPr lang="cs-CZ"/>
+          </a:p>
+        </p:txBody>
+      </p:sp>
+      <p:sp>
+        <p:nvSpPr>
+          <p:cNvPr id="12" name="Vývojový diagram: postup 11"/>
+          <p:cNvSpPr/>
+          <p:nvPr/>
+        </p:nvSpPr>
+        <p:spPr>
+          <a:xfrm>
+            <a:off x="0" y="1071546"/>
+            <a:ext cx="9144000" cy="1714512"/>
+          </a:xfrm>
+          <a:prstGeom prst="flowChartProcess">
+            <a:avLst/>
+          </a:prstGeom>
+          <a:solidFill>
+            <a:schemeClr val="accent5">
+              <a:lumMod val="20000"/>
+              <a:lumOff val="80000"/>
+            </a:schemeClr>
+          </a:solidFill>
+          <a:ln>
+            <a:noFill/>
+          </a:ln>
+        </p:spPr>
+        <p:style>
+          <a:lnRef idx="2">
+            <a:schemeClr val="accent1">
+              <a:shade val="50000"/>
+            </a:schemeClr>
+          </a:lnRef>
+          <a:fillRef idx="1">
+            <a:schemeClr val="accent1"/>
+          </a:fillRef>
+          <a:effectRef idx="0">
+            <a:schemeClr val="accent1"/>
+          </a:effectRef>
+          <a:fontRef idx="minor">
+            <a:schemeClr val="lt1"/>
+          </a:fontRef>
+        </p:style>
+        <p:txBody>
+          <a:bodyPr rtlCol="0" anchor="ctr"/>
+          <a:lstStyle/>
+          <a:p>
+            <a:pPr algn="ctr"/>
+            <a:endParaRPr lang="cs-CZ" dirty="0"/>
+          </a:p>
+        </p:txBody>
+      </p:sp>
+      <p:sp>
+        <p:nvSpPr>
           <p:cNvPr id="3" name="Nadpis 3"/>
           <p:cNvSpPr>
             <a:spLocks noGrp="1"/>
@@ -5364,9 +5461,530 @@
           <a:p>
             <a:r>
               <a:rPr lang="en-US" sz="1800" dirty="0" smtClean="0"/>
-              <a:t>LINQ to Web, generating object model</a:t>
+              <a:t>LINQ to Web, generating abstraction (</a:t>
+            </a:r>
+            <a:r>
+              <a:rPr lang="en-US" sz="1800" dirty="0" smtClean="0"/>
+              <a:t>object model)</a:t>
             </a:r>
             <a:endParaRPr lang="en-US" sz="1800" dirty="0"/>
+          </a:p>
+        </p:txBody>
+      </p:sp>
+      <p:sp>
+        <p:nvSpPr>
+          <p:cNvPr id="4" name="Vývojový diagram: postup 3"/>
+          <p:cNvSpPr/>
+          <p:nvPr/>
+        </p:nvSpPr>
+        <p:spPr>
+          <a:xfrm>
+            <a:off x="928662" y="2143116"/>
+            <a:ext cx="2214578" cy="357190"/>
+          </a:xfrm>
+          <a:prstGeom prst="flowChartProcess">
+            <a:avLst/>
+          </a:prstGeom>
+          <a:solidFill>
+            <a:schemeClr val="accent1">
+              <a:lumMod val="20000"/>
+              <a:lumOff val="80000"/>
+            </a:schemeClr>
+          </a:solidFill>
+        </p:spPr>
+        <p:style>
+          <a:lnRef idx="2">
+            <a:schemeClr val="accent1">
+              <a:shade val="50000"/>
+            </a:schemeClr>
+          </a:lnRef>
+          <a:fillRef idx="1">
+            <a:schemeClr val="accent1"/>
+          </a:fillRef>
+          <a:effectRef idx="0">
+            <a:schemeClr val="accent1"/>
+          </a:effectRef>
+          <a:fontRef idx="minor">
+            <a:schemeClr val="lt1"/>
+          </a:fontRef>
+        </p:style>
+        <p:txBody>
+          <a:bodyPr rtlCol="0" anchor="ctr"/>
+          <a:lstStyle/>
+          <a:p>
+            <a:pPr algn="ctr"/>
+            <a:r>
+              <a:rPr lang="en-US" dirty="0" smtClean="0">
+                <a:solidFill>
+                  <a:schemeClr val="tx2"/>
+                </a:solidFill>
+              </a:rPr>
+              <a:t>subject</a:t>
+            </a:r>
+            <a:endParaRPr lang="cs-CZ" dirty="0">
+              <a:solidFill>
+                <a:schemeClr val="tx2"/>
+              </a:solidFill>
+            </a:endParaRPr>
+          </a:p>
+        </p:txBody>
+      </p:sp>
+      <p:sp>
+        <p:nvSpPr>
+          <p:cNvPr id="5" name="Vývojový diagram: postup 4"/>
+          <p:cNvSpPr/>
+          <p:nvPr/>
+        </p:nvSpPr>
+        <p:spPr>
+          <a:xfrm>
+            <a:off x="5643570" y="2143116"/>
+            <a:ext cx="2214578" cy="357190"/>
+          </a:xfrm>
+          <a:prstGeom prst="flowChartProcess">
+            <a:avLst/>
+          </a:prstGeom>
+          <a:solidFill>
+            <a:schemeClr val="accent6">
+              <a:lumMod val="20000"/>
+              <a:lumOff val="80000"/>
+            </a:schemeClr>
+          </a:solidFill>
+        </p:spPr>
+        <p:style>
+          <a:lnRef idx="2">
+            <a:schemeClr val="accent1">
+              <a:shade val="50000"/>
+            </a:schemeClr>
+          </a:lnRef>
+          <a:fillRef idx="1">
+            <a:schemeClr val="accent1"/>
+          </a:fillRef>
+          <a:effectRef idx="0">
+            <a:schemeClr val="accent1"/>
+          </a:effectRef>
+          <a:fontRef idx="minor">
+            <a:schemeClr val="lt1"/>
+          </a:fontRef>
+        </p:style>
+        <p:txBody>
+          <a:bodyPr rtlCol="0" anchor="ctr"/>
+          <a:lstStyle/>
+          <a:p>
+            <a:pPr algn="ctr"/>
+            <a:r>
+              <a:rPr lang="en-US" dirty="0" smtClean="0">
+                <a:solidFill>
+                  <a:schemeClr val="tx2"/>
+                </a:solidFill>
+              </a:rPr>
+              <a:t>object</a:t>
+            </a:r>
+            <a:endParaRPr lang="cs-CZ" dirty="0">
+              <a:solidFill>
+                <a:schemeClr val="tx2"/>
+              </a:solidFill>
+            </a:endParaRPr>
+          </a:p>
+        </p:txBody>
+      </p:sp>
+      <p:sp>
+        <p:nvSpPr>
+          <p:cNvPr id="6" name="Vývojový diagram: postup 5"/>
+          <p:cNvSpPr/>
+          <p:nvPr/>
+        </p:nvSpPr>
+        <p:spPr>
+          <a:xfrm>
+            <a:off x="3286116" y="2143116"/>
+            <a:ext cx="2214578" cy="357190"/>
+          </a:xfrm>
+          <a:prstGeom prst="flowChartProcess">
+            <a:avLst/>
+          </a:prstGeom>
+          <a:solidFill>
+            <a:schemeClr val="accent3">
+              <a:lumMod val="20000"/>
+              <a:lumOff val="80000"/>
+            </a:schemeClr>
+          </a:solidFill>
+        </p:spPr>
+        <p:style>
+          <a:lnRef idx="2">
+            <a:schemeClr val="accent1">
+              <a:shade val="50000"/>
+            </a:schemeClr>
+          </a:lnRef>
+          <a:fillRef idx="1">
+            <a:schemeClr val="accent1"/>
+          </a:fillRef>
+          <a:effectRef idx="0">
+            <a:schemeClr val="accent1"/>
+          </a:effectRef>
+          <a:fontRef idx="minor">
+            <a:schemeClr val="lt1"/>
+          </a:fontRef>
+        </p:style>
+        <p:txBody>
+          <a:bodyPr rtlCol="0" anchor="ctr"/>
+          <a:lstStyle/>
+          <a:p>
+            <a:pPr algn="ctr"/>
+            <a:r>
+              <a:rPr lang="en-US" dirty="0" smtClean="0">
+                <a:solidFill>
+                  <a:schemeClr val="tx2"/>
+                </a:solidFill>
+              </a:rPr>
+              <a:t>predicate</a:t>
+            </a:r>
+            <a:endParaRPr lang="cs-CZ" dirty="0">
+              <a:solidFill>
+                <a:schemeClr val="tx2"/>
+              </a:solidFill>
+            </a:endParaRPr>
+          </a:p>
+        </p:txBody>
+      </p:sp>
+      <p:cxnSp>
+        <p:nvCxnSpPr>
+          <p:cNvPr id="8" name="Přímá spojovací čára 7"/>
+          <p:cNvCxnSpPr>
+            <a:stCxn id="4" idx="3"/>
+            <a:endCxn id="6" idx="1"/>
+          </p:cNvCxnSpPr>
+          <p:nvPr/>
+        </p:nvCxnSpPr>
+        <p:spPr>
+          <a:xfrm>
+            <a:off x="3143240" y="2321711"/>
+            <a:ext cx="142876" cy="0"/>
+          </a:xfrm>
+          <a:prstGeom prst="line">
+            <a:avLst/>
+          </a:prstGeom>
+          <a:ln w="19050"/>
+        </p:spPr>
+        <p:style>
+          <a:lnRef idx="1">
+            <a:schemeClr val="accent1"/>
+          </a:lnRef>
+          <a:fillRef idx="0">
+            <a:schemeClr val="accent1"/>
+          </a:fillRef>
+          <a:effectRef idx="0">
+            <a:schemeClr val="accent1"/>
+          </a:effectRef>
+          <a:fontRef idx="minor">
+            <a:schemeClr val="tx1"/>
+          </a:fontRef>
+        </p:style>
+      </p:cxnSp>
+      <p:cxnSp>
+        <p:nvCxnSpPr>
+          <p:cNvPr id="9" name="Přímá spojovací čára 8"/>
+          <p:cNvCxnSpPr>
+            <a:stCxn id="6" idx="3"/>
+            <a:endCxn id="5" idx="1"/>
+          </p:cNvCxnSpPr>
+          <p:nvPr/>
+        </p:nvCxnSpPr>
+        <p:spPr>
+          <a:xfrm>
+            <a:off x="5500694" y="2321711"/>
+            <a:ext cx="142876" cy="0"/>
+          </a:xfrm>
+          <a:prstGeom prst="line">
+            <a:avLst/>
+          </a:prstGeom>
+          <a:ln w="19050"/>
+        </p:spPr>
+        <p:style>
+          <a:lnRef idx="1">
+            <a:schemeClr val="accent1"/>
+          </a:lnRef>
+          <a:fillRef idx="0">
+            <a:schemeClr val="accent1"/>
+          </a:fillRef>
+          <a:effectRef idx="0">
+            <a:schemeClr val="accent1"/>
+          </a:effectRef>
+          <a:fontRef idx="minor">
+            <a:schemeClr val="tx1"/>
+          </a:fontRef>
+        </p:style>
+      </p:cxnSp>
+      <p:sp>
+        <p:nvSpPr>
+          <p:cNvPr id="13" name="Vývojový diagram: postup 12"/>
+          <p:cNvSpPr/>
+          <p:nvPr/>
+        </p:nvSpPr>
+        <p:spPr>
+          <a:xfrm>
+            <a:off x="928662" y="1285860"/>
+            <a:ext cx="6929486" cy="500066"/>
+          </a:xfrm>
+          <a:prstGeom prst="flowChartProcess">
+            <a:avLst/>
+          </a:prstGeom>
+          <a:noFill/>
+          <a:ln>
+            <a:noFill/>
+          </a:ln>
+        </p:spPr>
+        <p:style>
+          <a:lnRef idx="2">
+            <a:schemeClr val="accent1">
+              <a:shade val="50000"/>
+            </a:schemeClr>
+          </a:lnRef>
+          <a:fillRef idx="1">
+            <a:schemeClr val="accent1"/>
+          </a:fillRef>
+          <a:effectRef idx="0">
+            <a:schemeClr val="accent1"/>
+          </a:effectRef>
+          <a:fontRef idx="minor">
+            <a:schemeClr val="lt1"/>
+          </a:fontRef>
+        </p:style>
+        <p:txBody>
+          <a:bodyPr rtlCol="0" anchor="ctr"/>
+          <a:lstStyle/>
+          <a:p>
+            <a:pPr algn="ctr"/>
+            <a:r>
+              <a:rPr lang="en-US" dirty="0" smtClean="0">
+                <a:solidFill>
+                  <a:schemeClr val="tx1"/>
+                </a:solidFill>
+              </a:rPr>
+              <a:t>Semantic information basic element</a:t>
+            </a:r>
+            <a:endParaRPr lang="cs-CZ" dirty="0">
+              <a:solidFill>
+                <a:schemeClr val="tx1"/>
+              </a:solidFill>
+            </a:endParaRPr>
+          </a:p>
+        </p:txBody>
+      </p:sp>
+      <p:sp>
+        <p:nvSpPr>
+          <p:cNvPr id="15" name="TextovéPole 14"/>
+          <p:cNvSpPr txBox="1"/>
+          <p:nvPr/>
+        </p:nvSpPr>
+        <p:spPr>
+          <a:xfrm>
+            <a:off x="928662" y="3429000"/>
+            <a:ext cx="6929486" cy="2308324"/>
+          </a:xfrm>
+          <a:prstGeom prst="rect">
+            <a:avLst/>
+          </a:prstGeom>
+          <a:noFill/>
+        </p:spPr>
+        <p:txBody>
+          <a:bodyPr wrap="square" rtlCol="0">
+            <a:spAutoFit/>
+          </a:bodyPr>
+          <a:lstStyle/>
+          <a:p>
+            <a:r>
+              <a:rPr lang="en-US" dirty="0" smtClean="0">
+                <a:solidFill>
+                  <a:schemeClr val="accent3">
+                    <a:lumMod val="75000"/>
+                  </a:schemeClr>
+                </a:solidFill>
+              </a:rPr>
+              <a:t>// generated object model</a:t>
+            </a:r>
+          </a:p>
+          <a:p>
+            <a:r>
+              <a:rPr lang="en-US" dirty="0" smtClean="0">
+                <a:solidFill>
+                  <a:schemeClr val="tx2">
+                    <a:lumMod val="60000"/>
+                    <a:lumOff val="40000"/>
+                  </a:schemeClr>
+                </a:solidFill>
+              </a:rPr>
+              <a:t>class</a:t>
+            </a:r>
+            <a:r>
+              <a:rPr lang="en-US" dirty="0" smtClean="0"/>
+              <a:t> </a:t>
+            </a:r>
+            <a:r>
+              <a:rPr lang="en-US" b="1" dirty="0" smtClean="0"/>
+              <a:t>subject</a:t>
+            </a:r>
+            <a:endParaRPr lang="en-US" dirty="0" smtClean="0"/>
+          </a:p>
+          <a:p>
+            <a:r>
+              <a:rPr lang="en-US" dirty="0" smtClean="0"/>
+              <a:t>{</a:t>
+            </a:r>
+          </a:p>
+          <a:p>
+            <a:r>
+              <a:rPr lang="en-US" dirty="0"/>
+              <a:t>	</a:t>
+            </a:r>
+            <a:r>
+              <a:rPr lang="en-US" dirty="0" smtClean="0">
+                <a:solidFill>
+                  <a:schemeClr val="accent1"/>
+                </a:solidFill>
+              </a:rPr>
+              <a:t>property</a:t>
+            </a:r>
+            <a:r>
+              <a:rPr lang="en-US" dirty="0" smtClean="0"/>
+              <a:t> list&lt;</a:t>
+            </a:r>
+            <a:r>
+              <a:rPr lang="en-US" b="1" dirty="0" smtClean="0"/>
+              <a:t>object</a:t>
+            </a:r>
+            <a:r>
+              <a:rPr lang="en-US" dirty="0" smtClean="0"/>
+              <a:t>&gt;</a:t>
+            </a:r>
+            <a:r>
+              <a:rPr lang="en-US" b="1" dirty="0" smtClean="0"/>
+              <a:t> </a:t>
+            </a:r>
+            <a:r>
+              <a:rPr lang="en-US" dirty="0" smtClean="0"/>
+              <a:t>predicate</a:t>
+            </a:r>
+          </a:p>
+          <a:p>
+            <a:r>
+              <a:rPr lang="en-US" dirty="0"/>
+              <a:t>	</a:t>
+            </a:r>
+            <a:r>
+              <a:rPr lang="en-US" dirty="0" smtClean="0"/>
+              <a:t>{</a:t>
+            </a:r>
+          </a:p>
+          <a:p>
+            <a:r>
+              <a:rPr lang="en-US" dirty="0"/>
+              <a:t>	</a:t>
+            </a:r>
+            <a:r>
+              <a:rPr lang="en-US" dirty="0" smtClean="0"/>
+              <a:t>	</a:t>
+            </a:r>
+            <a:r>
+              <a:rPr lang="en-US" dirty="0" smtClean="0">
+                <a:solidFill>
+                  <a:schemeClr val="tx2">
+                    <a:lumMod val="60000"/>
+                    <a:lumOff val="40000"/>
+                  </a:schemeClr>
+                </a:solidFill>
+              </a:rPr>
+              <a:t>get</a:t>
+            </a:r>
+            <a:r>
+              <a:rPr lang="en-US" dirty="0" smtClean="0"/>
+              <a:t>; </a:t>
+            </a:r>
+            <a:r>
+              <a:rPr lang="en-US" dirty="0" smtClean="0">
+                <a:solidFill>
+                  <a:schemeClr val="accent3">
+                    <a:lumMod val="75000"/>
+                  </a:schemeClr>
+                </a:solidFill>
+              </a:rPr>
+              <a:t>// called when a query is executed, extraction</a:t>
+            </a:r>
+          </a:p>
+          <a:p>
+            <a:r>
+              <a:rPr lang="en-US" dirty="0" smtClean="0"/>
+              <a:t> </a:t>
+            </a:r>
+            <a:r>
+              <a:rPr lang="en-US" dirty="0"/>
+              <a:t>	</a:t>
+            </a:r>
+            <a:r>
+              <a:rPr lang="en-US" dirty="0" smtClean="0"/>
+              <a:t>}</a:t>
+            </a:r>
+            <a:endParaRPr lang="en-US" dirty="0"/>
+          </a:p>
+          <a:p>
+            <a:r>
+              <a:rPr lang="en-US" dirty="0" smtClean="0"/>
+              <a:t>}</a:t>
+            </a:r>
+          </a:p>
+        </p:txBody>
+      </p:sp>
+      <p:sp>
+        <p:nvSpPr>
+          <p:cNvPr id="29" name="Vývojový diagram: postup 28"/>
+          <p:cNvSpPr/>
+          <p:nvPr/>
+        </p:nvSpPr>
+        <p:spPr>
+          <a:xfrm>
+            <a:off x="928662" y="5929330"/>
+            <a:ext cx="6929486" cy="500066"/>
+          </a:xfrm>
+          <a:prstGeom prst="flowChartProcess">
+            <a:avLst/>
+          </a:prstGeom>
+          <a:noFill/>
+          <a:ln>
+            <a:noFill/>
+          </a:ln>
+        </p:spPr>
+        <p:style>
+          <a:lnRef idx="2">
+            <a:schemeClr val="accent1">
+              <a:shade val="50000"/>
+            </a:schemeClr>
+          </a:lnRef>
+          <a:fillRef idx="1">
+            <a:schemeClr val="accent1"/>
+          </a:fillRef>
+          <a:effectRef idx="0">
+            <a:schemeClr val="accent1"/>
+          </a:effectRef>
+          <a:fontRef idx="minor">
+            <a:schemeClr val="lt1"/>
+          </a:fontRef>
+        </p:style>
+        <p:txBody>
+          <a:bodyPr rtlCol="0" anchor="ctr"/>
+          <a:lstStyle/>
+          <a:p>
+            <a:pPr algn="ctr"/>
+            <a:r>
+              <a:rPr lang="en-US" dirty="0" smtClean="0">
+                <a:solidFill>
+                  <a:schemeClr val="tx1"/>
+                </a:solidFill>
+              </a:rPr>
+              <a:t>Object model implementation</a:t>
+            </a:r>
+            <a:endParaRPr lang="cs-CZ" dirty="0">
+              <a:solidFill>
+                <a:schemeClr val="tx1"/>
+              </a:solidFill>
+            </a:endParaRPr>
           </a:p>
         </p:txBody>
       </p:sp>

--- a/Documentation/diagrams.pptx
+++ b/Documentation/diagrams.pptx
@@ -5,12 +5,13 @@
     <p:sldMasterId id="2147483648" r:id="rId1"/>
   </p:sldMasterIdLst>
   <p:notesMasterIdLst>
-    <p:notesMasterId r:id="rId5"/>
+    <p:notesMasterId r:id="rId6"/>
   </p:notesMasterIdLst>
   <p:sldIdLst>
     <p:sldId id="256" r:id="rId2"/>
     <p:sldId id="257" r:id="rId3"/>
     <p:sldId id="258" r:id="rId4"/>
+    <p:sldId id="259" r:id="rId5"/>
   </p:sldIdLst>
   <p:sldSz cx="9144000" cy="6858000" type="screen4x3"/>
   <p:notesSz cx="6858000" cy="9144000"/>
@@ -194,7 +195,8 @@
           <a:p>
             <a:fld id="{085AF54C-BFA0-4AFD-A2B9-1B1F631CFD23}" type="datetimeFigureOut">
               <a:rPr lang="cs-CZ" smtClean="0"/>
-              <a:t>13.12.2009</a:t>
+              <a:pPr/>
+              <a:t>12.1.2010</a:t>
             </a:fld>
             <a:endParaRPr lang="cs-CZ"/>
           </a:p>
@@ -355,6 +357,7 @@
           <a:p>
             <a:fld id="{8C1FD11E-7A31-422B-98F9-455B58D9FBE8}" type="slidenum">
               <a:rPr lang="cs-CZ" smtClean="0"/>
+              <a:pPr/>
               <a:t>‹#›</a:t>
             </a:fld>
             <a:endParaRPr lang="cs-CZ"/>
@@ -530,6 +533,7 @@
           <a:p>
             <a:fld id="{8C1FD11E-7A31-422B-98F9-455B58D9FBE8}" type="slidenum">
               <a:rPr lang="cs-CZ" smtClean="0"/>
+              <a:pPr/>
               <a:t>1</a:t>
             </a:fld>
             <a:endParaRPr lang="cs-CZ"/>
@@ -604,7 +608,23 @@
             </a:r>
             <a:r>
               <a:rPr lang="en-US" baseline="0" dirty="0" smtClean="0"/>
-              <a:t> (when query is executed), database only as a big cache, extraction framework controls queries, easier to use!</a:t>
+              <a:t> (when query is executed), database only as a big cache, extraction framework controls queries, easier to use</a:t>
+            </a:r>
+            <a:r>
+              <a:rPr lang="en-US" baseline="0" dirty="0" smtClean="0"/>
+              <a:t>!</a:t>
+            </a:r>
+            <a:r>
+              <a:rPr lang="cs-CZ" baseline="0" dirty="0" smtClean="0"/>
+              <a:t> </a:t>
+            </a:r>
+            <a:r>
+              <a:rPr lang="en-US" baseline="0" dirty="0" smtClean="0"/>
+              <a:t>(better </a:t>
+            </a:r>
+            <a:r>
+              <a:rPr lang="en-US" baseline="0" smtClean="0"/>
+              <a:t>to work with)</a:t>
             </a:r>
             <a:endParaRPr lang="cs-CZ" dirty="0"/>
           </a:p>
@@ -627,6 +647,7 @@
           <a:p>
             <a:fld id="{8C1FD11E-7A31-422B-98F9-455B58D9FBE8}" type="slidenum">
               <a:rPr lang="cs-CZ" smtClean="0"/>
+              <a:pPr/>
               <a:t>2</a:t>
             </a:fld>
             <a:endParaRPr lang="cs-CZ"/>
@@ -822,7 +843,8 @@
           <a:p>
             <a:fld id="{EE61FD48-02F4-46B3-996C-76A85B898370}" type="datetimeFigureOut">
               <a:rPr lang="cs-CZ" smtClean="0"/>
-              <a:t>13.12.2009</a:t>
+              <a:pPr/>
+              <a:t>12.1.2010</a:t>
             </a:fld>
             <a:endParaRPr lang="cs-CZ"/>
           </a:p>
@@ -864,6 +886,7 @@
           <a:p>
             <a:fld id="{10435A46-FB82-46EB-8323-39AF3B71E119}" type="slidenum">
               <a:rPr lang="cs-CZ" smtClean="0"/>
+              <a:pPr/>
               <a:t>‹#›</a:t>
             </a:fld>
             <a:endParaRPr lang="cs-CZ"/>
@@ -987,7 +1010,8 @@
           <a:p>
             <a:fld id="{EE61FD48-02F4-46B3-996C-76A85B898370}" type="datetimeFigureOut">
               <a:rPr lang="cs-CZ" smtClean="0"/>
-              <a:t>13.12.2009</a:t>
+              <a:pPr/>
+              <a:t>12.1.2010</a:t>
             </a:fld>
             <a:endParaRPr lang="cs-CZ"/>
           </a:p>
@@ -1029,6 +1053,7 @@
           <a:p>
             <a:fld id="{10435A46-FB82-46EB-8323-39AF3B71E119}" type="slidenum">
               <a:rPr lang="cs-CZ" smtClean="0"/>
+              <a:pPr/>
               <a:t>‹#›</a:t>
             </a:fld>
             <a:endParaRPr lang="cs-CZ"/>
@@ -1162,7 +1187,8 @@
           <a:p>
             <a:fld id="{EE61FD48-02F4-46B3-996C-76A85B898370}" type="datetimeFigureOut">
               <a:rPr lang="cs-CZ" smtClean="0"/>
-              <a:t>13.12.2009</a:t>
+              <a:pPr/>
+              <a:t>12.1.2010</a:t>
             </a:fld>
             <a:endParaRPr lang="cs-CZ"/>
           </a:p>
@@ -1204,6 +1230,7 @@
           <a:p>
             <a:fld id="{10435A46-FB82-46EB-8323-39AF3B71E119}" type="slidenum">
               <a:rPr lang="cs-CZ" smtClean="0"/>
+              <a:pPr/>
               <a:t>‹#›</a:t>
             </a:fld>
             <a:endParaRPr lang="cs-CZ"/>
@@ -1327,7 +1354,8 @@
           <a:p>
             <a:fld id="{EE61FD48-02F4-46B3-996C-76A85B898370}" type="datetimeFigureOut">
               <a:rPr lang="cs-CZ" smtClean="0"/>
-              <a:t>13.12.2009</a:t>
+              <a:pPr/>
+              <a:t>12.1.2010</a:t>
             </a:fld>
             <a:endParaRPr lang="cs-CZ"/>
           </a:p>
@@ -1369,6 +1397,7 @@
           <a:p>
             <a:fld id="{10435A46-FB82-46EB-8323-39AF3B71E119}" type="slidenum">
               <a:rPr lang="cs-CZ" smtClean="0"/>
+              <a:pPr/>
               <a:t>‹#›</a:t>
             </a:fld>
             <a:endParaRPr lang="cs-CZ"/>
@@ -1568,7 +1597,8 @@
           <a:p>
             <a:fld id="{EE61FD48-02F4-46B3-996C-76A85B898370}" type="datetimeFigureOut">
               <a:rPr lang="cs-CZ" smtClean="0"/>
-              <a:t>13.12.2009</a:t>
+              <a:pPr/>
+              <a:t>12.1.2010</a:t>
             </a:fld>
             <a:endParaRPr lang="cs-CZ"/>
           </a:p>
@@ -1610,6 +1640,7 @@
           <a:p>
             <a:fld id="{10435A46-FB82-46EB-8323-39AF3B71E119}" type="slidenum">
               <a:rPr lang="cs-CZ" smtClean="0"/>
+              <a:pPr/>
               <a:t>‹#›</a:t>
             </a:fld>
             <a:endParaRPr lang="cs-CZ"/>
@@ -1851,7 +1882,8 @@
           <a:p>
             <a:fld id="{EE61FD48-02F4-46B3-996C-76A85B898370}" type="datetimeFigureOut">
               <a:rPr lang="cs-CZ" smtClean="0"/>
-              <a:t>13.12.2009</a:t>
+              <a:pPr/>
+              <a:t>12.1.2010</a:t>
             </a:fld>
             <a:endParaRPr lang="cs-CZ"/>
           </a:p>
@@ -1893,6 +1925,7 @@
           <a:p>
             <a:fld id="{10435A46-FB82-46EB-8323-39AF3B71E119}" type="slidenum">
               <a:rPr lang="cs-CZ" smtClean="0"/>
+              <a:pPr/>
               <a:t>‹#›</a:t>
             </a:fld>
             <a:endParaRPr lang="cs-CZ"/>
@@ -2268,7 +2301,8 @@
           <a:p>
             <a:fld id="{EE61FD48-02F4-46B3-996C-76A85B898370}" type="datetimeFigureOut">
               <a:rPr lang="cs-CZ" smtClean="0"/>
-              <a:t>13.12.2009</a:t>
+              <a:pPr/>
+              <a:t>12.1.2010</a:t>
             </a:fld>
             <a:endParaRPr lang="cs-CZ"/>
           </a:p>
@@ -2310,6 +2344,7 @@
           <a:p>
             <a:fld id="{10435A46-FB82-46EB-8323-39AF3B71E119}" type="slidenum">
               <a:rPr lang="cs-CZ" smtClean="0"/>
+              <a:pPr/>
               <a:t>‹#›</a:t>
             </a:fld>
             <a:endParaRPr lang="cs-CZ"/>
@@ -2381,7 +2416,8 @@
           <a:p>
             <a:fld id="{EE61FD48-02F4-46B3-996C-76A85B898370}" type="datetimeFigureOut">
               <a:rPr lang="cs-CZ" smtClean="0"/>
-              <a:t>13.12.2009</a:t>
+              <a:pPr/>
+              <a:t>12.1.2010</a:t>
             </a:fld>
             <a:endParaRPr lang="cs-CZ"/>
           </a:p>
@@ -2423,6 +2459,7 @@
           <a:p>
             <a:fld id="{10435A46-FB82-46EB-8323-39AF3B71E119}" type="slidenum">
               <a:rPr lang="cs-CZ" smtClean="0"/>
+              <a:pPr/>
               <a:t>‹#›</a:t>
             </a:fld>
             <a:endParaRPr lang="cs-CZ"/>
@@ -2471,7 +2508,8 @@
           <a:p>
             <a:fld id="{EE61FD48-02F4-46B3-996C-76A85B898370}" type="datetimeFigureOut">
               <a:rPr lang="cs-CZ" smtClean="0"/>
-              <a:t>13.12.2009</a:t>
+              <a:pPr/>
+              <a:t>12.1.2010</a:t>
             </a:fld>
             <a:endParaRPr lang="cs-CZ"/>
           </a:p>
@@ -2513,6 +2551,7 @@
           <a:p>
             <a:fld id="{10435A46-FB82-46EB-8323-39AF3B71E119}" type="slidenum">
               <a:rPr lang="cs-CZ" smtClean="0"/>
+              <a:pPr/>
               <a:t>‹#›</a:t>
             </a:fld>
             <a:endParaRPr lang="cs-CZ"/>
@@ -2743,7 +2782,8 @@
           <a:p>
             <a:fld id="{EE61FD48-02F4-46B3-996C-76A85B898370}" type="datetimeFigureOut">
               <a:rPr lang="cs-CZ" smtClean="0"/>
-              <a:t>13.12.2009</a:t>
+              <a:pPr/>
+              <a:t>12.1.2010</a:t>
             </a:fld>
             <a:endParaRPr lang="cs-CZ"/>
           </a:p>
@@ -2785,6 +2825,7 @@
           <a:p>
             <a:fld id="{10435A46-FB82-46EB-8323-39AF3B71E119}" type="slidenum">
               <a:rPr lang="cs-CZ" smtClean="0"/>
+              <a:pPr/>
               <a:t>‹#›</a:t>
             </a:fld>
             <a:endParaRPr lang="cs-CZ"/>
@@ -2991,7 +3032,8 @@
           <a:p>
             <a:fld id="{EE61FD48-02F4-46B3-996C-76A85B898370}" type="datetimeFigureOut">
               <a:rPr lang="cs-CZ" smtClean="0"/>
-              <a:t>13.12.2009</a:t>
+              <a:pPr/>
+              <a:t>12.1.2010</a:t>
             </a:fld>
             <a:endParaRPr lang="cs-CZ"/>
           </a:p>
@@ -3033,6 +3075,7 @@
           <a:p>
             <a:fld id="{10435A46-FB82-46EB-8323-39AF3B71E119}" type="slidenum">
               <a:rPr lang="cs-CZ" smtClean="0"/>
+              <a:pPr/>
               <a:t>‹#›</a:t>
             </a:fld>
             <a:endParaRPr lang="cs-CZ"/>
@@ -3199,7 +3242,8 @@
           <a:p>
             <a:fld id="{EE61FD48-02F4-46B3-996C-76A85B898370}" type="datetimeFigureOut">
               <a:rPr lang="cs-CZ" smtClean="0"/>
-              <a:t>13.12.2009</a:t>
+              <a:pPr/>
+              <a:t>12.1.2010</a:t>
             </a:fld>
             <a:endParaRPr lang="cs-CZ"/>
           </a:p>
@@ -3277,6 +3321,7 @@
           <a:p>
             <a:fld id="{10435A46-FB82-46EB-8323-39AF3B71E119}" type="slidenum">
               <a:rPr lang="cs-CZ" smtClean="0"/>
+              <a:pPr/>
               <a:t>‹#›</a:t>
             </a:fld>
             <a:endParaRPr lang="cs-CZ"/>
@@ -5348,8 +5393,8 @@
         </p:nvSpPr>
         <p:spPr>
           <a:xfrm>
-            <a:off x="0" y="3214686"/>
-            <a:ext cx="9144000" cy="3286148"/>
+            <a:off x="0" y="3000372"/>
+            <a:ext cx="9144000" cy="3500462"/>
           </a:xfrm>
           <a:prstGeom prst="flowChartProcess">
             <a:avLst/>
@@ -5461,11 +5506,7 @@
           <a:p>
             <a:r>
               <a:rPr lang="en-US" sz="1800" dirty="0" smtClean="0"/>
-              <a:t>LINQ to Web, generating abstraction (</a:t>
-            </a:r>
-            <a:r>
-              <a:rPr lang="en-US" sz="1800" dirty="0" smtClean="0"/>
-              <a:t>object model)</a:t>
+              <a:t>LINQ to Web, generating abstraction (object model)</a:t>
             </a:r>
             <a:endParaRPr lang="en-US" sz="1800" dirty="0"/>
           </a:p>
@@ -5777,8 +5818,8 @@
         </p:nvSpPr>
         <p:spPr>
           <a:xfrm>
-            <a:off x="928662" y="3429000"/>
-            <a:ext cx="6929486" cy="2308324"/>
+            <a:off x="928662" y="3143248"/>
+            <a:ext cx="6929486" cy="2585323"/>
           </a:xfrm>
           <a:prstGeom prst="rect">
             <a:avLst/>
@@ -5790,18 +5831,6 @@
             <a:spAutoFit/>
           </a:bodyPr>
           <a:lstStyle/>
-          <a:p>
-            <a:r>
-              <a:rPr lang="en-US" dirty="0" smtClean="0">
-                <a:solidFill>
-                  <a:schemeClr val="accent3">
-                    <a:lumMod val="75000"/>
-                  </a:schemeClr>
-                </a:solidFill>
-              </a:rPr>
-              <a:t>// generated object model</a:t>
-            </a:r>
-          </a:p>
           <a:p>
             <a:r>
               <a:rPr lang="en-US" dirty="0" smtClean="0">
@@ -5857,11 +5886,17 @@
             </a:r>
             <a:r>
               <a:rPr lang="en-US" b="1" dirty="0" smtClean="0"/>
-              <a:t> </a:t>
-            </a:r>
-            <a:r>
-              <a:rPr lang="en-US" dirty="0" smtClean="0"/>
-              <a:t>predicate</a:t>
+              <a:t> predicate</a:t>
+            </a:r>
+            <a:r>
+              <a:rPr lang="en-US" dirty="0" smtClean="0">
+                <a:solidFill>
+                  <a:schemeClr val="accent3">
+                    <a:lumMod val="75000"/>
+                  </a:schemeClr>
+                </a:solidFill>
+              </a:rPr>
+              <a:t>//in case of collection</a:t>
             </a:r>
           </a:p>
           <a:p>
@@ -5922,7 +5957,52 @@
               <a:rPr lang="en-US" dirty="0" smtClean="0"/>
               <a:t>}</a:t>
             </a:r>
-            <a:endParaRPr lang="en-US" dirty="0"/>
+          </a:p>
+          <a:p>
+            <a:endParaRPr lang="en-US" dirty="0" smtClean="0"/>
+          </a:p>
+          <a:p>
+            <a:r>
+              <a:rPr lang="en-US" dirty="0" smtClean="0"/>
+              <a:t>	</a:t>
+            </a:r>
+            <a:r>
+              <a:rPr lang="en-US" dirty="0" smtClean="0">
+                <a:solidFill>
+                  <a:schemeClr val="accent1"/>
+                </a:solidFill>
+              </a:rPr>
+              <a:t>property</a:t>
+            </a:r>
+            <a:r>
+              <a:rPr lang="en-US" dirty="0" smtClean="0"/>
+              <a:t> </a:t>
+            </a:r>
+            <a:r>
+              <a:rPr lang="en-US" b="1" dirty="0" smtClean="0"/>
+              <a:t>object predicate</a:t>
+            </a:r>
+            <a:r>
+              <a:rPr lang="en-US" dirty="0" smtClean="0"/>
+              <a:t>;</a:t>
+            </a:r>
+            <a:r>
+              <a:rPr lang="en-US" dirty="0" smtClean="0">
+                <a:solidFill>
+                  <a:schemeClr val="accent3">
+                    <a:lumMod val="75000"/>
+                  </a:schemeClr>
+                </a:solidFill>
+              </a:rPr>
+              <a:t>//in case of the only value</a:t>
+            </a:r>
+            <a:endParaRPr lang="en-US" dirty="0">
+              <a:solidFill>
+                <a:schemeClr val="accent3">
+                  <a:lumMod val="75000"/>
+                </a:schemeClr>
+              </a:solidFill>
+            </a:endParaRPr>
           </a:p>
           <a:p>
             <a:r>
@@ -5978,13 +6058,68 @@
                   <a:schemeClr val="tx1"/>
                 </a:solidFill>
               </a:rPr>
-              <a:t>Object model implementation</a:t>
+              <a:t>Generated object model implementation</a:t>
             </a:r>
             <a:endParaRPr lang="cs-CZ" dirty="0">
               <a:solidFill>
                 <a:schemeClr val="tx1"/>
               </a:solidFill>
             </a:endParaRPr>
+          </a:p>
+        </p:txBody>
+      </p:sp>
+    </p:spTree>
+  </p:cSld>
+  <p:clrMapOvr>
+    <a:masterClrMapping/>
+  </p:clrMapOvr>
+</p:sld>
+</file>
+
+<file path=ppt/slides/slide4.xml><?xml version="1.0" encoding="utf-8"?>
+<p:sld xmlns:a="http://schemas.openxmlformats.org/drawingml/2006/main" xmlns:r="http://schemas.openxmlformats.org/officeDocument/2006/relationships" xmlns:p="http://schemas.openxmlformats.org/presentationml/2006/main">
+  <p:cSld>
+    <p:spTree>
+      <p:nvGrpSpPr>
+        <p:cNvPr id="1" name=""/>
+        <p:cNvGrpSpPr/>
+        <p:nvPr/>
+      </p:nvGrpSpPr>
+      <p:grpSpPr>
+        <a:xfrm>
+          <a:off x="0" y="0"/>
+          <a:ext cx="0" cy="0"/>
+          <a:chOff x="0" y="0"/>
+          <a:chExt cx="0" cy="0"/>
+        </a:xfrm>
+      </p:grpSpPr>
+      <p:sp>
+        <p:nvSpPr>
+          <p:cNvPr id="3" name="Nadpis 3"/>
+          <p:cNvSpPr>
+            <a:spLocks noGrp="1"/>
+          </p:cNvSpPr>
+          <p:nvPr>
+            <p:ph type="title"/>
+          </p:nvPr>
+        </p:nvSpPr>
+        <p:spPr>
+          <a:xfrm>
+            <a:off x="457200" y="274638"/>
+            <a:ext cx="8229600" cy="368280"/>
+          </a:xfrm>
+        </p:spPr>
+        <p:txBody>
+          <a:bodyPr>
+            <a:noAutofit/>
+          </a:bodyPr>
+          <a:lstStyle/>
+          <a:p>
+            <a:r>
+              <a:rPr lang="en-US" sz="1800" dirty="0" smtClean="0"/>
+              <a:t>LINQ to Web, provider</a:t>
+            </a:r>
+            <a:endParaRPr lang="en-US" sz="1800" dirty="0"/>
           </a:p>
         </p:txBody>
       </p:sp>

--- a/Documentation/diagrams.pptx
+++ b/Documentation/diagrams.pptx
@@ -5,13 +5,14 @@
     <p:sldMasterId id="2147483648" r:id="rId1"/>
   </p:sldMasterIdLst>
   <p:notesMasterIdLst>
-    <p:notesMasterId r:id="rId6"/>
+    <p:notesMasterId r:id="rId7"/>
   </p:notesMasterIdLst>
   <p:sldIdLst>
     <p:sldId id="256" r:id="rId2"/>
     <p:sldId id="257" r:id="rId3"/>
     <p:sldId id="258" r:id="rId4"/>
     <p:sldId id="259" r:id="rId5"/>
+    <p:sldId id="260" r:id="rId6"/>
   </p:sldIdLst>
   <p:sldSz cx="9144000" cy="6858000" type="screen4x3"/>
   <p:notesSz cx="6858000" cy="9144000"/>
@@ -196,7 +197,7 @@
             <a:fld id="{085AF54C-BFA0-4AFD-A2B9-1B1F631CFD23}" type="datetimeFigureOut">
               <a:rPr lang="cs-CZ" smtClean="0"/>
               <a:pPr/>
-              <a:t>12.1.2010</a:t>
+              <a:t>17.1.2010</a:t>
             </a:fld>
             <a:endParaRPr lang="cs-CZ"/>
           </a:p>
@@ -608,11 +609,7 @@
             </a:r>
             <a:r>
               <a:rPr lang="en-US" baseline="0" dirty="0" smtClean="0"/>
-              <a:t> (when query is executed), database only as a big cache, extraction framework controls queries, easier to use</a:t>
-            </a:r>
-            <a:r>
-              <a:rPr lang="en-US" baseline="0" dirty="0" smtClean="0"/>
-              <a:t>!</a:t>
+              <a:t> (when query is executed), database only as a big cache, extraction framework controls queries, easier to use!</a:t>
             </a:r>
             <a:r>
               <a:rPr lang="cs-CZ" baseline="0" dirty="0" smtClean="0"/>
@@ -620,11 +617,7 @@
             </a:r>
             <a:r>
               <a:rPr lang="en-US" baseline="0" dirty="0" smtClean="0"/>
-              <a:t>(better </a:t>
-            </a:r>
-            <a:r>
-              <a:rPr lang="en-US" baseline="0" smtClean="0"/>
-              <a:t>to work with)</a:t>
+              <a:t>(better to work with)</a:t>
             </a:r>
             <a:endParaRPr lang="cs-CZ" dirty="0"/>
           </a:p>
@@ -844,7 +837,7 @@
             <a:fld id="{EE61FD48-02F4-46B3-996C-76A85B898370}" type="datetimeFigureOut">
               <a:rPr lang="cs-CZ" smtClean="0"/>
               <a:pPr/>
-              <a:t>12.1.2010</a:t>
+              <a:t>17.1.2010</a:t>
             </a:fld>
             <a:endParaRPr lang="cs-CZ"/>
           </a:p>
@@ -1011,7 +1004,7 @@
             <a:fld id="{EE61FD48-02F4-46B3-996C-76A85B898370}" type="datetimeFigureOut">
               <a:rPr lang="cs-CZ" smtClean="0"/>
               <a:pPr/>
-              <a:t>12.1.2010</a:t>
+              <a:t>17.1.2010</a:t>
             </a:fld>
             <a:endParaRPr lang="cs-CZ"/>
           </a:p>
@@ -1188,7 +1181,7 @@
             <a:fld id="{EE61FD48-02F4-46B3-996C-76A85B898370}" type="datetimeFigureOut">
               <a:rPr lang="cs-CZ" smtClean="0"/>
               <a:pPr/>
-              <a:t>12.1.2010</a:t>
+              <a:t>17.1.2010</a:t>
             </a:fld>
             <a:endParaRPr lang="cs-CZ"/>
           </a:p>
@@ -1355,7 +1348,7 @@
             <a:fld id="{EE61FD48-02F4-46B3-996C-76A85B898370}" type="datetimeFigureOut">
               <a:rPr lang="cs-CZ" smtClean="0"/>
               <a:pPr/>
-              <a:t>12.1.2010</a:t>
+              <a:t>17.1.2010</a:t>
             </a:fld>
             <a:endParaRPr lang="cs-CZ"/>
           </a:p>
@@ -1598,7 +1591,7 @@
             <a:fld id="{EE61FD48-02F4-46B3-996C-76A85B898370}" type="datetimeFigureOut">
               <a:rPr lang="cs-CZ" smtClean="0"/>
               <a:pPr/>
-              <a:t>12.1.2010</a:t>
+              <a:t>17.1.2010</a:t>
             </a:fld>
             <a:endParaRPr lang="cs-CZ"/>
           </a:p>
@@ -1883,7 +1876,7 @@
             <a:fld id="{EE61FD48-02F4-46B3-996C-76A85B898370}" type="datetimeFigureOut">
               <a:rPr lang="cs-CZ" smtClean="0"/>
               <a:pPr/>
-              <a:t>12.1.2010</a:t>
+              <a:t>17.1.2010</a:t>
             </a:fld>
             <a:endParaRPr lang="cs-CZ"/>
           </a:p>
@@ -2302,7 +2295,7 @@
             <a:fld id="{EE61FD48-02F4-46B3-996C-76A85B898370}" type="datetimeFigureOut">
               <a:rPr lang="cs-CZ" smtClean="0"/>
               <a:pPr/>
-              <a:t>12.1.2010</a:t>
+              <a:t>17.1.2010</a:t>
             </a:fld>
             <a:endParaRPr lang="cs-CZ"/>
           </a:p>
@@ -2417,7 +2410,7 @@
             <a:fld id="{EE61FD48-02F4-46B3-996C-76A85B898370}" type="datetimeFigureOut">
               <a:rPr lang="cs-CZ" smtClean="0"/>
               <a:pPr/>
-              <a:t>12.1.2010</a:t>
+              <a:t>17.1.2010</a:t>
             </a:fld>
             <a:endParaRPr lang="cs-CZ"/>
           </a:p>
@@ -2509,7 +2502,7 @@
             <a:fld id="{EE61FD48-02F4-46B3-996C-76A85B898370}" type="datetimeFigureOut">
               <a:rPr lang="cs-CZ" smtClean="0"/>
               <a:pPr/>
-              <a:t>12.1.2010</a:t>
+              <a:t>17.1.2010</a:t>
             </a:fld>
             <a:endParaRPr lang="cs-CZ"/>
           </a:p>
@@ -2783,7 +2776,7 @@
             <a:fld id="{EE61FD48-02F4-46B3-996C-76A85B898370}" type="datetimeFigureOut">
               <a:rPr lang="cs-CZ" smtClean="0"/>
               <a:pPr/>
-              <a:t>12.1.2010</a:t>
+              <a:t>17.1.2010</a:t>
             </a:fld>
             <a:endParaRPr lang="cs-CZ"/>
           </a:p>
@@ -3033,7 +3026,7 @@
             <a:fld id="{EE61FD48-02F4-46B3-996C-76A85B898370}" type="datetimeFigureOut">
               <a:rPr lang="cs-CZ" smtClean="0"/>
               <a:pPr/>
-              <a:t>12.1.2010</a:t>
+              <a:t>17.1.2010</a:t>
             </a:fld>
             <a:endParaRPr lang="cs-CZ"/>
           </a:p>
@@ -3243,7 +3236,7 @@
             <a:fld id="{EE61FD48-02F4-46B3-996C-76A85B898370}" type="datetimeFigureOut">
               <a:rPr lang="cs-CZ" smtClean="0"/>
               <a:pPr/>
-              <a:t>12.1.2010</a:t>
+              <a:t>17.1.2010</a:t>
             </a:fld>
             <a:endParaRPr lang="cs-CZ"/>
           </a:p>
@@ -4475,6 +4468,52 @@
       </p:grpSpPr>
       <p:sp>
         <p:nvSpPr>
+          <p:cNvPr id="26" name="Vývojový diagram: postup 25"/>
+          <p:cNvSpPr/>
+          <p:nvPr/>
+        </p:nvSpPr>
+        <p:spPr>
+          <a:xfrm>
+            <a:off x="0" y="3000372"/>
+            <a:ext cx="4000496" cy="3857628"/>
+          </a:xfrm>
+          <a:prstGeom prst="flowChartProcess">
+            <a:avLst/>
+          </a:prstGeom>
+          <a:solidFill>
+            <a:srgbClr val="9CF6A5"/>
+          </a:solidFill>
+          <a:ln>
+            <a:noFill/>
+          </a:ln>
+        </p:spPr>
+        <p:style>
+          <a:lnRef idx="2">
+            <a:schemeClr val="accent1">
+              <a:shade val="50000"/>
+            </a:schemeClr>
+          </a:lnRef>
+          <a:fillRef idx="1">
+            <a:schemeClr val="accent1"/>
+          </a:fillRef>
+          <a:effectRef idx="0">
+            <a:schemeClr val="accent1"/>
+          </a:effectRef>
+          <a:fontRef idx="minor">
+            <a:schemeClr val="lt1"/>
+          </a:fontRef>
+        </p:style>
+        <p:txBody>
+          <a:bodyPr rtlCol="0" anchor="ctr"/>
+          <a:lstStyle/>
+          <a:p>
+            <a:pPr algn="ctr"/>
+            <a:endParaRPr lang="cs-CZ"/>
+          </a:p>
+        </p:txBody>
+      </p:sp>
+      <p:sp>
+        <p:nvSpPr>
           <p:cNvPr id="198" name="Vývojový diagram: postup 197"/>
           <p:cNvSpPr/>
           <p:nvPr/>
@@ -4601,19 +4640,21 @@
                   <a:schemeClr val="tx2"/>
                 </a:solidFill>
               </a:rPr>
-              <a:t>Source data description</a:t>
-            </a:r>
-          </a:p>
-          <a:p>
-            <a:pPr algn="ctr"/>
+              <a:t>Source data </a:t>
+            </a:r>
             <a:r>
               <a:rPr lang="en-US" dirty="0" smtClean="0">
                 <a:solidFill>
                   <a:schemeClr val="tx2"/>
                 </a:solidFill>
               </a:rPr>
-              <a:t>(generated)</a:t>
-            </a:r>
+              <a:t>description</a:t>
+            </a:r>
+            <a:endParaRPr lang="en-US" dirty="0" smtClean="0">
+              <a:solidFill>
+                <a:schemeClr val="tx2"/>
+              </a:solidFill>
+            </a:endParaRPr>
           </a:p>
         </p:txBody>
       </p:sp>
@@ -4625,7 +4666,7 @@
         </p:nvSpPr>
         <p:spPr>
           <a:xfrm>
-            <a:off x="4000496" y="3000372"/>
+            <a:off x="7429520" y="3286124"/>
             <a:ext cx="1500198" cy="1357322"/>
           </a:xfrm>
           <a:prstGeom prst="rect">
@@ -4665,7 +4706,15 @@
                   <a:schemeClr val="tx2"/>
                 </a:solidFill>
               </a:rPr>
-              <a:t>Extraction framework</a:t>
+              <a:t>Extraction </a:t>
+            </a:r>
+            <a:r>
+              <a:rPr lang="en-US" dirty="0" smtClean="0">
+                <a:solidFill>
+                  <a:schemeClr val="tx2"/>
+                </a:solidFill>
+              </a:rPr>
+              <a:t>Framework</a:t>
             </a:r>
             <a:endParaRPr lang="en-US" dirty="0">
               <a:solidFill>
@@ -4880,14 +4929,38 @@
           <a:p>
             <a:pPr algn="ctr"/>
             <a:r>
-              <a:rPr lang="en-US" smtClean="0">
+              <a:rPr lang="en-US" dirty="0" smtClean="0">
                 <a:solidFill>
                   <a:schemeClr val="tx2"/>
                 </a:solidFill>
               </a:rPr>
-              <a:t>Query results</a:t>
-            </a:r>
-            <a:endParaRPr lang="en-US">
+              <a:t>Query </a:t>
+            </a:r>
+            <a:r>
+              <a:rPr lang="en-US" dirty="0" smtClean="0">
+                <a:solidFill>
+                  <a:schemeClr val="tx2"/>
+                </a:solidFill>
+              </a:rPr>
+              <a:t>results</a:t>
+            </a:r>
+            <a:r>
+              <a:rPr lang="en-US" dirty="0">
+                <a:solidFill>
+                  <a:schemeClr val="tx2"/>
+                </a:solidFill>
+              </a:rPr>
+              <a:t> </a:t>
+            </a:r>
+            <a:r>
+              <a:rPr lang="en-US" dirty="0" smtClean="0">
+                <a:solidFill>
+                  <a:schemeClr val="tx2"/>
+                </a:solidFill>
+              </a:rPr>
+              <a:t>on request</a:t>
+            </a:r>
+            <a:endParaRPr lang="en-US" dirty="0" smtClean="0">
               <a:solidFill>
                 <a:schemeClr val="tx2"/>
               </a:solidFill>
@@ -4942,18 +5015,7 @@
                   <a:schemeClr val="tx2"/>
                 </a:solidFill>
               </a:rPr>
-              <a:t>LINQ expression</a:t>
-            </a:r>
-          </a:p>
-          <a:p>
-            <a:pPr algn="ctr"/>
-            <a:r>
-              <a:rPr lang="en-US" dirty="0" smtClean="0">
-                <a:solidFill>
-                  <a:schemeClr val="tx2"/>
-                </a:solidFill>
-              </a:rPr>
-              <a:t>(query)</a:t>
+              <a:t>Query Enumeration</a:t>
             </a:r>
             <a:endParaRPr lang="en-US" dirty="0">
               <a:solidFill>
@@ -4971,7 +5033,7 @@
         </p:nvGrpSpPr>
         <p:grpSpPr>
           <a:xfrm>
-            <a:off x="7500958" y="3571876"/>
+            <a:off x="4143372" y="3357562"/>
             <a:ext cx="1285884" cy="1571636"/>
             <a:chOff x="928662" y="714356"/>
             <a:chExt cx="1285884" cy="1571636"/>
@@ -5176,15 +5238,14 @@
         <p:nvCxnSpPr>
           <p:cNvPr id="167" name="Přímá spojovací šipka 166"/>
           <p:cNvCxnSpPr>
-            <a:stCxn id="74" idx="2"/>
             <a:endCxn id="8" idx="0"/>
           </p:cNvCxnSpPr>
           <p:nvPr/>
         </p:nvCxnSpPr>
         <p:spPr>
           <a:xfrm rot="5400000">
-            <a:off x="4286248" y="2536025"/>
-            <a:ext cx="928694" cy="1588"/>
+            <a:off x="7618826" y="2722972"/>
+            <a:ext cx="1123946" cy="2359"/>
           </a:xfrm>
           <a:prstGeom prst="straightConnector1">
             <a:avLst/>
@@ -5263,13 +5324,13 @@
           <p:nvPr/>
         </p:nvCxnSpPr>
         <p:spPr>
-          <a:xfrm rot="16200000" flipH="1">
-            <a:off x="6066550" y="3041739"/>
-            <a:ext cx="753353" cy="3385262"/>
+          <a:xfrm rot="5400000">
+            <a:off x="6352302" y="3069415"/>
+            <a:ext cx="253287" cy="3401348"/>
           </a:xfrm>
           <a:prstGeom prst="curvedConnector3">
             <a:avLst>
-              <a:gd name="adj1" fmla="val 225687"/>
+              <a:gd name="adj1" fmla="val 597929"/>
             </a:avLst>
           </a:prstGeom>
           <a:ln w="38100">
@@ -5800,7 +5861,15 @@
                   <a:schemeClr val="tx1"/>
                 </a:solidFill>
               </a:rPr>
-              <a:t>Semantic information basic element</a:t>
+              <a:t>Semantic information </a:t>
+            </a:r>
+            <a:r>
+              <a:rPr lang="en-US" dirty="0" smtClean="0">
+                <a:solidFill>
+                  <a:schemeClr val="tx1"/>
+                </a:solidFill>
+              </a:rPr>
+              <a:t>element</a:t>
             </a:r>
             <a:endParaRPr lang="cs-CZ" dirty="0">
               <a:solidFill>
@@ -5874,7 +5943,11 @@
             </a:r>
             <a:r>
               <a:rPr lang="en-US" dirty="0" smtClean="0"/>
-              <a:t> list&lt;</a:t>
+              <a:t> </a:t>
+            </a:r>
+            <a:r>
+              <a:rPr lang="en-US" dirty="0" smtClean="0"/>
+              <a:t>enumerator&lt;</a:t>
             </a:r>
             <a:r>
               <a:rPr lang="en-US" b="1" dirty="0" smtClean="0"/>
@@ -5886,7 +5959,11 @@
             </a:r>
             <a:r>
               <a:rPr lang="en-US" b="1" dirty="0" smtClean="0"/>
-              <a:t> predicate</a:t>
+              <a:t> </a:t>
+            </a:r>
+            <a:r>
+              <a:rPr lang="en-US" b="1" dirty="0" smtClean="0"/>
+              <a:t>predicate </a:t>
             </a:r>
             <a:r>
               <a:rPr lang="en-US" dirty="0" smtClean="0">
@@ -5896,7 +5973,17 @@
                   </a:schemeClr>
                 </a:solidFill>
               </a:rPr>
-              <a:t>//in case of collection</a:t>
+              <a:t>//</a:t>
+            </a:r>
+            <a:r>
+              <a:rPr lang="en-US" dirty="0" smtClean="0">
+                <a:solidFill>
+                  <a:schemeClr val="accent3">
+                    <a:lumMod val="75000"/>
+                  </a:schemeClr>
+                </a:solidFill>
+              </a:rPr>
+              <a:t>in case of collection</a:t>
             </a:r>
           </a:p>
           <a:p>
@@ -5980,11 +6067,15 @@
             </a:r>
             <a:r>
               <a:rPr lang="en-US" b="1" dirty="0" smtClean="0"/>
-              <a:t>object predicate</a:t>
+              <a:t>object </a:t>
+            </a:r>
+            <a:r>
+              <a:rPr lang="en-US" b="1" dirty="0" smtClean="0"/>
+              <a:t>predicate </a:t>
             </a:r>
             <a:r>
               <a:rPr lang="en-US" dirty="0" smtClean="0"/>
-              <a:t>;</a:t>
+              <a:t>{get;} </a:t>
             </a:r>
             <a:r>
               <a:rPr lang="en-US" dirty="0" smtClean="0">
@@ -5994,7 +6085,17 @@
                   </a:schemeClr>
                 </a:solidFill>
               </a:rPr>
-              <a:t>//in case of the only value</a:t>
+              <a:t>// in </a:t>
+            </a:r>
+            <a:r>
+              <a:rPr lang="en-US" dirty="0" smtClean="0">
+                <a:solidFill>
+                  <a:schemeClr val="accent3">
+                    <a:lumMod val="75000"/>
+                  </a:schemeClr>
+                </a:solidFill>
+              </a:rPr>
+              <a:t>case of the only value</a:t>
             </a:r>
             <a:endParaRPr lang="en-US" dirty="0">
               <a:solidFill>
@@ -6073,6 +6174,13 @@
   <p:clrMapOvr>
     <a:masterClrMapping/>
   </p:clrMapOvr>
+  <p:timing>
+    <p:tnLst>
+      <p:par>
+        <p:cTn id="1" dur="indefinite" restart="never" nodeType="tmRoot"/>
+      </p:par>
+    </p:tnLst>
+  </p:timing>
 </p:sld>
 </file>
 
@@ -6095,6 +6203,54 @@
       </p:grpSpPr>
       <p:sp>
         <p:nvSpPr>
+          <p:cNvPr id="7" name="Vývojový diagram: postup 6"/>
+          <p:cNvSpPr/>
+          <p:nvPr/>
+        </p:nvSpPr>
+        <p:spPr>
+          <a:xfrm>
+            <a:off x="0" y="1857364"/>
+            <a:ext cx="9144000" cy="3500462"/>
+          </a:xfrm>
+          <a:prstGeom prst="flowChartProcess">
+            <a:avLst/>
+          </a:prstGeom>
+          <a:solidFill>
+            <a:schemeClr val="bg1">
+              <a:lumMod val="95000"/>
+            </a:schemeClr>
+          </a:solidFill>
+          <a:ln>
+            <a:noFill/>
+          </a:ln>
+        </p:spPr>
+        <p:style>
+          <a:lnRef idx="2">
+            <a:schemeClr val="accent1">
+              <a:shade val="50000"/>
+            </a:schemeClr>
+          </a:lnRef>
+          <a:fillRef idx="1">
+            <a:schemeClr val="accent1"/>
+          </a:fillRef>
+          <a:effectRef idx="0">
+            <a:schemeClr val="accent1"/>
+          </a:effectRef>
+          <a:fontRef idx="minor">
+            <a:schemeClr val="lt1"/>
+          </a:fontRef>
+        </p:style>
+        <p:txBody>
+          <a:bodyPr rtlCol="0" anchor="ctr"/>
+          <a:lstStyle/>
+          <a:p>
+            <a:pPr algn="ctr"/>
+            <a:endParaRPr lang="cs-CZ"/>
+          </a:p>
+        </p:txBody>
+      </p:sp>
+      <p:sp>
+        <p:nvSpPr>
           <p:cNvPr id="3" name="Nadpis 3"/>
           <p:cNvSpPr>
             <a:spLocks noGrp="1"/>
@@ -6120,6 +6276,211 @@
               <a:t>LINQ to Web, provider</a:t>
             </a:r>
             <a:endParaRPr lang="en-US" sz="1800" dirty="0"/>
+          </a:p>
+        </p:txBody>
+      </p:sp>
+      <p:sp>
+        <p:nvSpPr>
+          <p:cNvPr id="6" name="TextovéPole 5"/>
+          <p:cNvSpPr txBox="1"/>
+          <p:nvPr/>
+        </p:nvSpPr>
+        <p:spPr>
+          <a:xfrm>
+            <a:off x="928662" y="2428868"/>
+            <a:ext cx="6929486" cy="2031325"/>
+          </a:xfrm>
+          <a:prstGeom prst="rect">
+            <a:avLst/>
+          </a:prstGeom>
+          <a:noFill/>
+        </p:spPr>
+        <p:txBody>
+          <a:bodyPr wrap="square" rtlCol="0">
+            <a:spAutoFit/>
+          </a:bodyPr>
+          <a:lstStyle/>
+          <a:p>
+            <a:endParaRPr lang="en-US" dirty="0" smtClean="0">
+              <a:solidFill>
+                <a:schemeClr val="accent1">
+                  <a:lumMod val="75000"/>
+                </a:schemeClr>
+              </a:solidFill>
+            </a:endParaRPr>
+          </a:p>
+          <a:p>
+            <a:r>
+              <a:rPr lang="en-US" dirty="0" smtClean="0">
+                <a:solidFill>
+                  <a:schemeClr val="accent1">
+                    <a:lumMod val="75000"/>
+                  </a:schemeClr>
+                </a:solidFill>
+              </a:rPr>
+              <a:t>foreach</a:t>
+            </a:r>
+            <a:r>
+              <a:rPr lang="en-US" dirty="0" smtClean="0"/>
+              <a:t> (</a:t>
+            </a:r>
+            <a:r>
+              <a:rPr lang="en-US" dirty="0" err="1" smtClean="0">
+                <a:solidFill>
+                  <a:schemeClr val="tx2"/>
+                </a:solidFill>
+              </a:rPr>
+              <a:t>var</a:t>
+            </a:r>
+            <a:r>
+              <a:rPr lang="en-US" dirty="0" smtClean="0"/>
+              <a:t> </a:t>
+            </a:r>
+            <a:r>
+              <a:rPr lang="en-US" dirty="0" err="1" smtClean="0"/>
+              <a:t>zajezd</a:t>
+            </a:r>
+            <a:r>
+              <a:rPr lang="en-US" dirty="0" smtClean="0"/>
+              <a:t> </a:t>
+            </a:r>
+            <a:r>
+              <a:rPr lang="en-US" dirty="0" smtClean="0">
+                <a:solidFill>
+                  <a:schemeClr val="tx2"/>
+                </a:solidFill>
+              </a:rPr>
+              <a:t>in</a:t>
+            </a:r>
+            <a:r>
+              <a:rPr lang="en-US" dirty="0" smtClean="0"/>
+              <a:t> </a:t>
+            </a:r>
+            <a:r>
+              <a:rPr lang="en-US" dirty="0" err="1" smtClean="0"/>
+              <a:t>zajezdy</a:t>
+            </a:r>
+            <a:r>
+              <a:rPr lang="en-US" dirty="0" smtClean="0"/>
+              <a:t>)</a:t>
+            </a:r>
+            <a:r>
+              <a:rPr lang="en-US" dirty="0" smtClean="0">
+                <a:solidFill>
+                  <a:srgbClr val="00B050"/>
+                </a:solidFill>
+              </a:rPr>
+              <a:t>// </a:t>
+            </a:r>
+            <a:r>
+              <a:rPr lang="cs-CZ" dirty="0" smtClean="0">
+                <a:solidFill>
+                  <a:srgbClr val="00B050"/>
+                </a:solidFill>
+              </a:rPr>
+              <a:t>všechny zájezdy, extrakce just-in-time</a:t>
+            </a:r>
+            <a:endParaRPr lang="en-US" dirty="0" smtClean="0">
+              <a:solidFill>
+                <a:srgbClr val="00B050"/>
+              </a:solidFill>
+            </a:endParaRPr>
+          </a:p>
+          <a:p>
+            <a:r>
+              <a:rPr lang="en-US" dirty="0" smtClean="0"/>
+              <a:t>{</a:t>
+            </a:r>
+            <a:endParaRPr lang="cs-CZ" dirty="0" smtClean="0"/>
+          </a:p>
+          <a:p>
+            <a:r>
+              <a:rPr lang="cs-CZ" dirty="0" smtClean="0">
+                <a:solidFill>
+                  <a:srgbClr val="00B050"/>
+                </a:solidFill>
+              </a:rPr>
+              <a:t>	</a:t>
+            </a:r>
+            <a:r>
+              <a:rPr lang="cs-CZ" dirty="0" smtClean="0">
+                <a:solidFill>
+                  <a:srgbClr val="00B050"/>
+                </a:solidFill>
+              </a:rPr>
+              <a:t>// vybrat termíny s danou cenou, JIT</a:t>
+            </a:r>
+            <a:endParaRPr lang="en-US" dirty="0" smtClean="0">
+              <a:solidFill>
+                <a:srgbClr val="00B050"/>
+              </a:solidFill>
+            </a:endParaRPr>
+          </a:p>
+          <a:p>
+            <a:r>
+              <a:rPr lang="en-US" dirty="0" smtClean="0"/>
+              <a:t>	</a:t>
+            </a:r>
+            <a:r>
+              <a:rPr lang="en-US" dirty="0" smtClean="0">
+                <a:solidFill>
+                  <a:schemeClr val="tx2"/>
+                </a:solidFill>
+              </a:rPr>
+              <a:t>yield</a:t>
+            </a:r>
+            <a:r>
+              <a:rPr lang="en-US" dirty="0" smtClean="0"/>
+              <a:t> </a:t>
+            </a:r>
+            <a:r>
+              <a:rPr lang="en-US" dirty="0" smtClean="0">
+                <a:solidFill>
+                  <a:schemeClr val="tx2"/>
+                </a:solidFill>
+              </a:rPr>
+              <a:t>return</a:t>
+            </a:r>
+            <a:r>
+              <a:rPr lang="en-US" dirty="0" smtClean="0"/>
+              <a:t> </a:t>
+            </a:r>
+            <a:r>
+              <a:rPr lang="en-US" dirty="0" err="1" smtClean="0"/>
+              <a:t>zajezd.terminy.</a:t>
+            </a:r>
+            <a:r>
+              <a:rPr lang="en-US" dirty="0" err="1" smtClean="0">
+                <a:solidFill>
+                  <a:schemeClr val="accent6">
+                    <a:lumMod val="50000"/>
+                  </a:schemeClr>
+                </a:solidFill>
+              </a:rPr>
+              <a:t>Where</a:t>
+            </a:r>
+            <a:r>
+              <a:rPr lang="en-US" dirty="0" smtClean="0"/>
+              <a:t>(x =&gt; </a:t>
+            </a:r>
+            <a:r>
+              <a:rPr lang="en-US" dirty="0" err="1" smtClean="0"/>
+              <a:t>x.cena</a:t>
+            </a:r>
+            <a:r>
+              <a:rPr lang="en-US" dirty="0" smtClean="0"/>
+              <a:t> &lt; 10000);</a:t>
+            </a:r>
+            <a:endParaRPr lang="en-US" dirty="0" smtClean="0"/>
+          </a:p>
+          <a:p>
+            <a:r>
+              <a:rPr lang="en-US" dirty="0" smtClean="0"/>
+              <a:t>}</a:t>
+            </a:r>
+          </a:p>
+          <a:p>
+            <a:endParaRPr lang="en-US" dirty="0" smtClean="0"/>
           </a:p>
         </p:txBody>
       </p:sp>
@@ -6128,6 +6489,316 @@
   <p:clrMapOvr>
     <a:masterClrMapping/>
   </p:clrMapOvr>
+  <p:timing>
+    <p:tnLst>
+      <p:par>
+        <p:cTn id="1" dur="indefinite" restart="never" nodeType="tmRoot"/>
+      </p:par>
+    </p:tnLst>
+  </p:timing>
+</p:sld>
+</file>
+
+<file path=ppt/slides/slide5.xml><?xml version="1.0" encoding="utf-8"?>
+<p:sld xmlns:a="http://schemas.openxmlformats.org/drawingml/2006/main" xmlns:r="http://schemas.openxmlformats.org/officeDocument/2006/relationships" xmlns:p="http://schemas.openxmlformats.org/presentationml/2006/main">
+  <p:cSld>
+    <p:spTree>
+      <p:nvGrpSpPr>
+        <p:cNvPr id="1" name=""/>
+        <p:cNvGrpSpPr/>
+        <p:nvPr/>
+      </p:nvGrpSpPr>
+      <p:grpSpPr>
+        <a:xfrm>
+          <a:off x="0" y="0"/>
+          <a:ext cx="0" cy="0"/>
+          <a:chOff x="0" y="0"/>
+          <a:chExt cx="0" cy="0"/>
+        </a:xfrm>
+      </p:grpSpPr>
+      <p:sp>
+        <p:nvSpPr>
+          <p:cNvPr id="3" name="Nadpis 3"/>
+          <p:cNvSpPr>
+            <a:spLocks noGrp="1"/>
+          </p:cNvSpPr>
+          <p:nvPr>
+            <p:ph type="title"/>
+          </p:nvPr>
+        </p:nvSpPr>
+        <p:spPr>
+          <a:xfrm>
+            <a:off x="457200" y="274638"/>
+            <a:ext cx="8229600" cy="368280"/>
+          </a:xfrm>
+        </p:spPr>
+        <p:txBody>
+          <a:bodyPr>
+            <a:noAutofit/>
+          </a:bodyPr>
+          <a:lstStyle/>
+          <a:p>
+            <a:r>
+              <a:rPr lang="en-US" sz="1800" dirty="0" smtClean="0"/>
+              <a:t>Data Extraction / Object model creation</a:t>
+            </a:r>
+            <a:endParaRPr lang="en-US" sz="1800" dirty="0"/>
+          </a:p>
+        </p:txBody>
+      </p:sp>
+      <p:sp>
+        <p:nvSpPr>
+          <p:cNvPr id="4" name="Obdélník 3"/>
+          <p:cNvSpPr/>
+          <p:nvPr/>
+        </p:nvSpPr>
+        <p:spPr>
+          <a:xfrm>
+            <a:off x="4143372" y="2857496"/>
+            <a:ext cx="1428760" cy="1143008"/>
+          </a:xfrm>
+          <a:prstGeom prst="rect">
+            <a:avLst/>
+          </a:prstGeom>
+          <a:solidFill>
+            <a:schemeClr val="bg1"/>
+          </a:solidFill>
+        </p:spPr>
+        <p:style>
+          <a:lnRef idx="2">
+            <a:schemeClr val="accent1">
+              <a:shade val="50000"/>
+            </a:schemeClr>
+          </a:lnRef>
+          <a:fillRef idx="1">
+            <a:schemeClr val="accent1"/>
+          </a:fillRef>
+          <a:effectRef idx="0">
+            <a:schemeClr val="accent1"/>
+          </a:effectRef>
+          <a:fontRef idx="minor">
+            <a:schemeClr val="lt1"/>
+          </a:fontRef>
+        </p:style>
+        <p:txBody>
+          <a:bodyPr rtlCol="0" anchor="ctr"/>
+          <a:lstStyle/>
+          <a:p>
+            <a:pPr algn="ctr"/>
+            <a:r>
+              <a:rPr lang="en-US" dirty="0" smtClean="0">
+                <a:solidFill>
+                  <a:schemeClr val="tx2"/>
+                </a:solidFill>
+              </a:rPr>
+              <a:t>Generic Web Extractor</a:t>
+            </a:r>
+            <a:endParaRPr lang="cs-CZ" dirty="0">
+              <a:solidFill>
+                <a:schemeClr val="tx2"/>
+              </a:solidFill>
+            </a:endParaRPr>
+          </a:p>
+        </p:txBody>
+      </p:sp>
+      <p:sp>
+        <p:nvSpPr>
+          <p:cNvPr id="5" name="Obdélník 4"/>
+          <p:cNvSpPr/>
+          <p:nvPr/>
+        </p:nvSpPr>
+        <p:spPr>
+          <a:xfrm>
+            <a:off x="6572264" y="4429132"/>
+            <a:ext cx="1785950" cy="714380"/>
+          </a:xfrm>
+          <a:prstGeom prst="rect">
+            <a:avLst/>
+          </a:prstGeom>
+          <a:solidFill>
+            <a:schemeClr val="bg1"/>
+          </a:solidFill>
+        </p:spPr>
+        <p:style>
+          <a:lnRef idx="2">
+            <a:schemeClr val="accent1">
+              <a:shade val="50000"/>
+            </a:schemeClr>
+          </a:lnRef>
+          <a:fillRef idx="1">
+            <a:schemeClr val="accent1"/>
+          </a:fillRef>
+          <a:effectRef idx="0">
+            <a:schemeClr val="accent1"/>
+          </a:effectRef>
+          <a:fontRef idx="minor">
+            <a:schemeClr val="lt1"/>
+          </a:fontRef>
+        </p:style>
+        <p:txBody>
+          <a:bodyPr rtlCol="0" anchor="ctr"/>
+          <a:lstStyle/>
+          <a:p>
+            <a:pPr algn="ctr"/>
+            <a:r>
+              <a:rPr lang="en-US" dirty="0" smtClean="0">
+                <a:solidFill>
+                  <a:schemeClr val="tx2"/>
+                </a:solidFill>
+              </a:rPr>
+              <a:t>Specific Query</a:t>
+            </a:r>
+            <a:endParaRPr lang="cs-CZ" dirty="0">
+              <a:solidFill>
+                <a:schemeClr val="tx2"/>
+              </a:solidFill>
+            </a:endParaRPr>
+          </a:p>
+        </p:txBody>
+      </p:sp>
+      <p:cxnSp>
+        <p:nvCxnSpPr>
+          <p:cNvPr id="7" name="Zakřivená spojovací čára 6"/>
+          <p:cNvCxnSpPr>
+            <a:stCxn id="5" idx="1"/>
+            <a:endCxn id="4" idx="3"/>
+          </p:cNvCxnSpPr>
+          <p:nvPr/>
+        </p:nvCxnSpPr>
+        <p:spPr>
+          <a:xfrm rot="10800000">
+            <a:off x="5572132" y="3429000"/>
+            <a:ext cx="1000132" cy="1357322"/>
+          </a:xfrm>
+          <a:prstGeom prst="curvedConnector3">
+            <a:avLst>
+              <a:gd name="adj1" fmla="val 50000"/>
+            </a:avLst>
+          </a:prstGeom>
+          <a:ln>
+            <a:tailEnd type="arrow"/>
+          </a:ln>
+        </p:spPr>
+        <p:style>
+          <a:lnRef idx="1">
+            <a:schemeClr val="accent1"/>
+          </a:lnRef>
+          <a:fillRef idx="0">
+            <a:schemeClr val="accent1"/>
+          </a:fillRef>
+          <a:effectRef idx="0">
+            <a:schemeClr val="accent1"/>
+          </a:effectRef>
+          <a:fontRef idx="minor">
+            <a:schemeClr val="tx1"/>
+          </a:fontRef>
+        </p:style>
+      </p:cxnSp>
+      <p:sp>
+        <p:nvSpPr>
+          <p:cNvPr id="10" name="Obdélník 9"/>
+          <p:cNvSpPr/>
+          <p:nvPr/>
+        </p:nvSpPr>
+        <p:spPr>
+          <a:xfrm>
+            <a:off x="1571604" y="1643050"/>
+            <a:ext cx="1428760" cy="1143008"/>
+          </a:xfrm>
+          <a:prstGeom prst="rect">
+            <a:avLst/>
+          </a:prstGeom>
+          <a:solidFill>
+            <a:schemeClr val="bg1"/>
+          </a:solidFill>
+        </p:spPr>
+        <p:style>
+          <a:lnRef idx="2">
+            <a:schemeClr val="accent1">
+              <a:shade val="50000"/>
+            </a:schemeClr>
+          </a:lnRef>
+          <a:fillRef idx="1">
+            <a:schemeClr val="accent1"/>
+          </a:fillRef>
+          <a:effectRef idx="0">
+            <a:schemeClr val="accent1"/>
+          </a:effectRef>
+          <a:fontRef idx="minor">
+            <a:schemeClr val="lt1"/>
+          </a:fontRef>
+        </p:style>
+        <p:txBody>
+          <a:bodyPr rtlCol="0" anchor="ctr"/>
+          <a:lstStyle/>
+          <a:p>
+            <a:pPr algn="ctr"/>
+            <a:r>
+              <a:rPr lang="en-US" dirty="0" smtClean="0">
+                <a:solidFill>
+                  <a:schemeClr val="tx2"/>
+                </a:solidFill>
+              </a:rPr>
+              <a:t>Typed enumeration</a:t>
+            </a:r>
+            <a:endParaRPr lang="cs-CZ" dirty="0">
+              <a:solidFill>
+                <a:schemeClr val="tx2"/>
+              </a:solidFill>
+            </a:endParaRPr>
+          </a:p>
+        </p:txBody>
+      </p:sp>
+      <p:cxnSp>
+        <p:nvCxnSpPr>
+          <p:cNvPr id="12" name="Zakřivená spojovací čára 11"/>
+          <p:cNvCxnSpPr>
+            <a:stCxn id="4" idx="1"/>
+            <a:endCxn id="10" idx="3"/>
+          </p:cNvCxnSpPr>
+          <p:nvPr/>
+        </p:nvCxnSpPr>
+        <p:spPr>
+          <a:xfrm rot="10800000">
+            <a:off x="3000364" y="2214554"/>
+            <a:ext cx="1143008" cy="1214446"/>
+          </a:xfrm>
+          <a:prstGeom prst="curvedConnector3">
+            <a:avLst>
+              <a:gd name="adj1" fmla="val 50000"/>
+            </a:avLst>
+          </a:prstGeom>
+          <a:ln>
+            <a:tailEnd type="arrow"/>
+          </a:ln>
+        </p:spPr>
+        <p:style>
+          <a:lnRef idx="1">
+            <a:schemeClr val="accent1"/>
+          </a:lnRef>
+          <a:fillRef idx="0">
+            <a:schemeClr val="accent1"/>
+          </a:fillRef>
+          <a:effectRef idx="0">
+            <a:schemeClr val="accent1"/>
+          </a:effectRef>
+          <a:fontRef idx="minor">
+            <a:schemeClr val="tx1"/>
+          </a:fontRef>
+        </p:style>
+      </p:cxnSp>
+    </p:spTree>
+  </p:cSld>
+  <p:clrMapOvr>
+    <a:masterClrMapping/>
+  </p:clrMapOvr>
+  <p:timing>
+    <p:tnLst>
+      <p:par>
+        <p:cTn id="1" dur="indefinite" restart="never" nodeType="tmRoot"/>
+      </p:par>
+    </p:tnLst>
+  </p:timing>
 </p:sld>
 </file>
 

--- a/Documentation/diagrams.pptx
+++ b/Documentation/diagrams.pptx
@@ -5,14 +5,13 @@
     <p:sldMasterId id="2147483648" r:id="rId1"/>
   </p:sldMasterIdLst>
   <p:notesMasterIdLst>
-    <p:notesMasterId r:id="rId7"/>
+    <p:notesMasterId r:id="rId6"/>
   </p:notesMasterIdLst>
   <p:sldIdLst>
     <p:sldId id="256" r:id="rId2"/>
     <p:sldId id="257" r:id="rId3"/>
     <p:sldId id="258" r:id="rId4"/>
     <p:sldId id="259" r:id="rId5"/>
-    <p:sldId id="260" r:id="rId6"/>
   </p:sldIdLst>
   <p:sldSz cx="9144000" cy="6858000" type="screen4x3"/>
   <p:notesSz cx="6858000" cy="9144000"/>
@@ -197,7 +196,7 @@
             <a:fld id="{085AF54C-BFA0-4AFD-A2B9-1B1F631CFD23}" type="datetimeFigureOut">
               <a:rPr lang="cs-CZ" smtClean="0"/>
               <a:pPr/>
-              <a:t>17.1.2010</a:t>
+              <a:t>14.2.2010</a:t>
             </a:fld>
             <a:endParaRPr lang="cs-CZ"/>
           </a:p>
@@ -837,7 +836,7 @@
             <a:fld id="{EE61FD48-02F4-46B3-996C-76A85B898370}" type="datetimeFigureOut">
               <a:rPr lang="cs-CZ" smtClean="0"/>
               <a:pPr/>
-              <a:t>17.1.2010</a:t>
+              <a:t>14.2.2010</a:t>
             </a:fld>
             <a:endParaRPr lang="cs-CZ"/>
           </a:p>
@@ -1004,7 +1003,7 @@
             <a:fld id="{EE61FD48-02F4-46B3-996C-76A85B898370}" type="datetimeFigureOut">
               <a:rPr lang="cs-CZ" smtClean="0"/>
               <a:pPr/>
-              <a:t>17.1.2010</a:t>
+              <a:t>14.2.2010</a:t>
             </a:fld>
             <a:endParaRPr lang="cs-CZ"/>
           </a:p>
@@ -1181,7 +1180,7 @@
             <a:fld id="{EE61FD48-02F4-46B3-996C-76A85B898370}" type="datetimeFigureOut">
               <a:rPr lang="cs-CZ" smtClean="0"/>
               <a:pPr/>
-              <a:t>17.1.2010</a:t>
+              <a:t>14.2.2010</a:t>
             </a:fld>
             <a:endParaRPr lang="cs-CZ"/>
           </a:p>
@@ -1348,7 +1347,7 @@
             <a:fld id="{EE61FD48-02F4-46B3-996C-76A85B898370}" type="datetimeFigureOut">
               <a:rPr lang="cs-CZ" smtClean="0"/>
               <a:pPr/>
-              <a:t>17.1.2010</a:t>
+              <a:t>14.2.2010</a:t>
             </a:fld>
             <a:endParaRPr lang="cs-CZ"/>
           </a:p>
@@ -1591,7 +1590,7 @@
             <a:fld id="{EE61FD48-02F4-46B3-996C-76A85B898370}" type="datetimeFigureOut">
               <a:rPr lang="cs-CZ" smtClean="0"/>
               <a:pPr/>
-              <a:t>17.1.2010</a:t>
+              <a:t>14.2.2010</a:t>
             </a:fld>
             <a:endParaRPr lang="cs-CZ"/>
           </a:p>
@@ -1876,7 +1875,7 @@
             <a:fld id="{EE61FD48-02F4-46B3-996C-76A85B898370}" type="datetimeFigureOut">
               <a:rPr lang="cs-CZ" smtClean="0"/>
               <a:pPr/>
-              <a:t>17.1.2010</a:t>
+              <a:t>14.2.2010</a:t>
             </a:fld>
             <a:endParaRPr lang="cs-CZ"/>
           </a:p>
@@ -2295,7 +2294,7 @@
             <a:fld id="{EE61FD48-02F4-46B3-996C-76A85B898370}" type="datetimeFigureOut">
               <a:rPr lang="cs-CZ" smtClean="0"/>
               <a:pPr/>
-              <a:t>17.1.2010</a:t>
+              <a:t>14.2.2010</a:t>
             </a:fld>
             <a:endParaRPr lang="cs-CZ"/>
           </a:p>
@@ -2410,7 +2409,7 @@
             <a:fld id="{EE61FD48-02F4-46B3-996C-76A85B898370}" type="datetimeFigureOut">
               <a:rPr lang="cs-CZ" smtClean="0"/>
               <a:pPr/>
-              <a:t>17.1.2010</a:t>
+              <a:t>14.2.2010</a:t>
             </a:fld>
             <a:endParaRPr lang="cs-CZ"/>
           </a:p>
@@ -2502,7 +2501,7 @@
             <a:fld id="{EE61FD48-02F4-46B3-996C-76A85B898370}" type="datetimeFigureOut">
               <a:rPr lang="cs-CZ" smtClean="0"/>
               <a:pPr/>
-              <a:t>17.1.2010</a:t>
+              <a:t>14.2.2010</a:t>
             </a:fld>
             <a:endParaRPr lang="cs-CZ"/>
           </a:p>
@@ -2776,7 +2775,7 @@
             <a:fld id="{EE61FD48-02F4-46B3-996C-76A85B898370}" type="datetimeFigureOut">
               <a:rPr lang="cs-CZ" smtClean="0"/>
               <a:pPr/>
-              <a:t>17.1.2010</a:t>
+              <a:t>14.2.2010</a:t>
             </a:fld>
             <a:endParaRPr lang="cs-CZ"/>
           </a:p>
@@ -3026,7 +3025,7 @@
             <a:fld id="{EE61FD48-02F4-46B3-996C-76A85B898370}" type="datetimeFigureOut">
               <a:rPr lang="cs-CZ" smtClean="0"/>
               <a:pPr/>
-              <a:t>17.1.2010</a:t>
+              <a:t>14.2.2010</a:t>
             </a:fld>
             <a:endParaRPr lang="cs-CZ"/>
           </a:p>
@@ -3236,7 +3235,7 @@
             <a:fld id="{EE61FD48-02F4-46B3-996C-76A85B898370}" type="datetimeFigureOut">
               <a:rPr lang="cs-CZ" smtClean="0"/>
               <a:pPr/>
-              <a:t>17.1.2010</a:t>
+              <a:t>14.2.2010</a:t>
             </a:fld>
             <a:endParaRPr lang="cs-CZ"/>
           </a:p>
@@ -4640,21 +4639,8 @@
                   <a:schemeClr val="tx2"/>
                 </a:solidFill>
               </a:rPr>
-              <a:t>Source data </a:t>
-            </a:r>
-            <a:r>
-              <a:rPr lang="en-US" dirty="0" smtClean="0">
-                <a:solidFill>
-                  <a:schemeClr val="tx2"/>
-                </a:solidFill>
-              </a:rPr>
-              <a:t>description</a:t>
-            </a:r>
-            <a:endParaRPr lang="en-US" dirty="0" smtClean="0">
-              <a:solidFill>
-                <a:schemeClr val="tx2"/>
-              </a:solidFill>
-            </a:endParaRPr>
+              <a:t>Source data description</a:t>
+            </a:r>
           </a:p>
         </p:txBody>
       </p:sp>
@@ -4706,15 +4692,7 @@
                   <a:schemeClr val="tx2"/>
                 </a:solidFill>
               </a:rPr>
-              <a:t>Extraction </a:t>
-            </a:r>
-            <a:r>
-              <a:rPr lang="en-US" dirty="0" smtClean="0">
-                <a:solidFill>
-                  <a:schemeClr val="tx2"/>
-                </a:solidFill>
-              </a:rPr>
-              <a:t>Framework</a:t>
+              <a:t>Extraction Framework</a:t>
             </a:r>
             <a:endParaRPr lang="en-US" dirty="0">
               <a:solidFill>
@@ -4934,15 +4912,7 @@
                   <a:schemeClr val="tx2"/>
                 </a:solidFill>
               </a:rPr>
-              <a:t>Query </a:t>
-            </a:r>
-            <a:r>
-              <a:rPr lang="en-US" dirty="0" smtClean="0">
-                <a:solidFill>
-                  <a:schemeClr val="tx2"/>
-                </a:solidFill>
-              </a:rPr>
-              <a:t>results</a:t>
+              <a:t>Query results</a:t>
             </a:r>
             <a:r>
               <a:rPr lang="en-US" dirty="0">
@@ -4960,11 +4930,6 @@
               </a:rPr>
               <a:t>on request</a:t>
             </a:r>
-            <a:endParaRPr lang="en-US" dirty="0" smtClean="0">
-              <a:solidFill>
-                <a:schemeClr val="tx2"/>
-              </a:solidFill>
-            </a:endParaRPr>
           </a:p>
         </p:txBody>
       </p:sp>
@@ -5861,15 +5826,7 @@
                   <a:schemeClr val="tx1"/>
                 </a:solidFill>
               </a:rPr>
-              <a:t>Semantic information </a:t>
-            </a:r>
-            <a:r>
-              <a:rPr lang="en-US" dirty="0" smtClean="0">
-                <a:solidFill>
-                  <a:schemeClr val="tx1"/>
-                </a:solidFill>
-              </a:rPr>
-              <a:t>element</a:t>
+              <a:t>Semantic information element</a:t>
             </a:r>
             <a:endParaRPr lang="cs-CZ" dirty="0">
               <a:solidFill>
@@ -5943,11 +5900,7 @@
             </a:r>
             <a:r>
               <a:rPr lang="en-US" dirty="0" smtClean="0"/>
-              <a:t> </a:t>
-            </a:r>
-            <a:r>
-              <a:rPr lang="en-US" dirty="0" smtClean="0"/>
-              <a:t>enumerator&lt;</a:t>
+              <a:t> enumerator&lt;</a:t>
             </a:r>
             <a:r>
               <a:rPr lang="en-US" b="1" dirty="0" smtClean="0"/>
@@ -5959,11 +5912,7 @@
             </a:r>
             <a:r>
               <a:rPr lang="en-US" b="1" dirty="0" smtClean="0"/>
-              <a:t> </a:t>
-            </a:r>
-            <a:r>
-              <a:rPr lang="en-US" b="1" dirty="0" smtClean="0"/>
-              <a:t>predicate </a:t>
+              <a:t> predicate </a:t>
             </a:r>
             <a:r>
               <a:rPr lang="en-US" dirty="0" smtClean="0">
@@ -5973,17 +5922,7 @@
                   </a:schemeClr>
                 </a:solidFill>
               </a:rPr>
-              <a:t>//</a:t>
-            </a:r>
-            <a:r>
-              <a:rPr lang="en-US" dirty="0" smtClean="0">
-                <a:solidFill>
-                  <a:schemeClr val="accent3">
-                    <a:lumMod val="75000"/>
-                  </a:schemeClr>
-                </a:solidFill>
-              </a:rPr>
-              <a:t>in case of collection</a:t>
+              <a:t>//in case of collection</a:t>
             </a:r>
           </a:p>
           <a:p>
@@ -6067,11 +6006,7 @@
             </a:r>
             <a:r>
               <a:rPr lang="en-US" b="1" dirty="0" smtClean="0"/>
-              <a:t>object </a:t>
-            </a:r>
-            <a:r>
-              <a:rPr lang="en-US" b="1" dirty="0" smtClean="0"/>
-              <a:t>predicate </a:t>
+              <a:t>object predicate </a:t>
             </a:r>
             <a:r>
               <a:rPr lang="en-US" dirty="0" smtClean="0"/>
@@ -6085,17 +6020,7 @@
                   </a:schemeClr>
                 </a:solidFill>
               </a:rPr>
-              <a:t>// in </a:t>
-            </a:r>
-            <a:r>
-              <a:rPr lang="en-US" dirty="0" smtClean="0">
-                <a:solidFill>
-                  <a:schemeClr val="accent3">
-                    <a:lumMod val="75000"/>
-                  </a:schemeClr>
-                </a:solidFill>
-              </a:rPr>
-              <a:t>case of the only value</a:t>
+              <a:t>// in case of the only value</a:t>
             </a:r>
             <a:endParaRPr lang="en-US" dirty="0">
               <a:solidFill>
@@ -6301,6 +6226,78 @@
           </a:bodyPr>
           <a:lstStyle/>
           <a:p>
+            <a:r>
+              <a:rPr lang="en-US" dirty="0" smtClean="0">
+                <a:solidFill>
+                  <a:srgbClr val="00B050"/>
+                </a:solidFill>
+              </a:rPr>
+              <a:t>// </a:t>
+            </a:r>
+            <a:r>
+              <a:rPr lang="cs-CZ" dirty="0" err="1" smtClean="0">
+                <a:solidFill>
+                  <a:srgbClr val="00B050"/>
+                </a:solidFill>
+              </a:rPr>
+              <a:t>all</a:t>
+            </a:r>
+            <a:r>
+              <a:rPr lang="cs-CZ" dirty="0" smtClean="0">
+                <a:solidFill>
+                  <a:srgbClr val="00B050"/>
+                </a:solidFill>
+              </a:rPr>
+              <a:t> last </a:t>
+            </a:r>
+            <a:r>
+              <a:rPr lang="cs-CZ" dirty="0" err="1" smtClean="0">
+                <a:solidFill>
+                  <a:srgbClr val="00B050"/>
+                </a:solidFill>
+              </a:rPr>
+              <a:t>minute</a:t>
+            </a:r>
+            <a:r>
+              <a:rPr lang="cs-CZ" dirty="0" smtClean="0">
+                <a:solidFill>
+                  <a:srgbClr val="00B050"/>
+                </a:solidFill>
+              </a:rPr>
+              <a:t> </a:t>
+            </a:r>
+            <a:r>
+              <a:rPr lang="cs-CZ" dirty="0" err="1" smtClean="0">
+                <a:solidFill>
+                  <a:srgbClr val="00B050"/>
+                </a:solidFill>
+              </a:rPr>
+              <a:t>touts</a:t>
+            </a:r>
+            <a:r>
+              <a:rPr lang="cs-CZ" dirty="0" smtClean="0">
+                <a:solidFill>
+                  <a:srgbClr val="00B050"/>
+                </a:solidFill>
+              </a:rPr>
+              <a:t>, </a:t>
+            </a:r>
+            <a:r>
+              <a:rPr lang="cs-CZ" dirty="0" err="1" smtClean="0">
+                <a:solidFill>
+                  <a:srgbClr val="00B050"/>
+                </a:solidFill>
+              </a:rPr>
+              <a:t>extraction</a:t>
+            </a:r>
+            <a:r>
+              <a:rPr lang="cs-CZ" dirty="0" smtClean="0">
+                <a:solidFill>
+                  <a:srgbClr val="00B050"/>
+                </a:solidFill>
+              </a:rPr>
+              <a:t> just-in-time</a:t>
+            </a:r>
             <a:endParaRPr lang="en-US" dirty="0" smtClean="0">
               <a:solidFill>
                 <a:schemeClr val="accent1">
@@ -6337,12 +6334,8 @@
               <a:t> </a:t>
             </a:r>
             <a:r>
-              <a:rPr lang="en-US" dirty="0" err="1" smtClean="0"/>
-              <a:t>zajezd</a:t>
-            </a:r>
-            <a:r>
-              <a:rPr lang="en-US" dirty="0" smtClean="0"/>
-              <a:t> </a:t>
+              <a:rPr lang="cs-CZ" dirty="0" smtClean="0"/>
+              <a:t>x </a:t>
             </a:r>
             <a:r>
               <a:rPr lang="en-US" dirty="0" smtClean="0">
@@ -6357,12 +6350,34 @@
               <a:t> </a:t>
             </a:r>
             <a:r>
-              <a:rPr lang="en-US" dirty="0" err="1" smtClean="0"/>
-              <a:t>zajezdy</a:t>
+              <a:rPr lang="cs-CZ" dirty="0" err="1" smtClean="0"/>
+              <a:t>context.LastminuteTours</a:t>
             </a:r>
             <a:r>
               <a:rPr lang="en-US" dirty="0" smtClean="0"/>
               <a:t>)</a:t>
+            </a:r>
+            <a:endParaRPr lang="en-US" dirty="0" smtClean="0">
+              <a:solidFill>
+                <a:srgbClr val="00B050"/>
+              </a:solidFill>
+            </a:endParaRPr>
+          </a:p>
+          <a:p>
+            <a:r>
+              <a:rPr lang="en-US" dirty="0" smtClean="0"/>
+              <a:t>{</a:t>
+            </a:r>
+            <a:endParaRPr lang="cs-CZ" dirty="0" smtClean="0"/>
+          </a:p>
+          <a:p>
+            <a:r>
+              <a:rPr lang="cs-CZ" dirty="0" smtClean="0">
+                <a:solidFill>
+                  <a:srgbClr val="00B050"/>
+                </a:solidFill>
+              </a:rPr>
+              <a:t>	// </a:t>
             </a:r>
             <a:r>
               <a:rPr lang="en-US" dirty="0" smtClean="0">
@@ -6370,45 +6385,7 @@
                   <a:srgbClr val="00B050"/>
                 </a:solidFill>
               </a:rPr>
-              <a:t>// </a:t>
-            </a:r>
-            <a:r>
-              <a:rPr lang="cs-CZ" dirty="0" smtClean="0">
-                <a:solidFill>
-                  <a:srgbClr val="00B050"/>
-                </a:solidFill>
-              </a:rPr>
-              <a:t>všechny zájezdy, extrakce just-in-time</a:t>
-            </a:r>
-            <a:endParaRPr lang="en-US" dirty="0" smtClean="0">
-              <a:solidFill>
-                <a:srgbClr val="00B050"/>
-              </a:solidFill>
-            </a:endParaRPr>
-          </a:p>
-          <a:p>
-            <a:r>
-              <a:rPr lang="en-US" dirty="0" smtClean="0"/>
-              <a:t>{</a:t>
-            </a:r>
-            <a:endParaRPr lang="cs-CZ" dirty="0" smtClean="0"/>
-          </a:p>
-          <a:p>
-            <a:r>
-              <a:rPr lang="cs-CZ" dirty="0" smtClean="0">
-                <a:solidFill>
-                  <a:srgbClr val="00B050"/>
-                </a:solidFill>
-              </a:rPr>
-              <a:t>	</a:t>
-            </a:r>
-            <a:r>
-              <a:rPr lang="cs-CZ" dirty="0" smtClean="0">
-                <a:solidFill>
-                  <a:srgbClr val="00B050"/>
-                </a:solidFill>
-              </a:rPr>
-              <a:t>// vybrat termíny s danou cenou, JIT</a:t>
+              <a:t>select tours with given price</a:t>
             </a:r>
             <a:endParaRPr lang="en-US" dirty="0" smtClean="0">
               <a:solidFill>
@@ -6446,11 +6423,23 @@
               <a:t> </a:t>
             </a:r>
             <a:r>
-              <a:rPr lang="en-US" dirty="0" err="1" smtClean="0"/>
-              <a:t>zajezd.terminy.</a:t>
-            </a:r>
-            <a:r>
-              <a:rPr lang="en-US" dirty="0" err="1" smtClean="0">
+              <a:rPr lang="cs-CZ" dirty="0" smtClean="0"/>
+              <a:t>x</a:t>
+            </a:r>
+            <a:r>
+              <a:rPr lang="en-US" dirty="0" smtClean="0"/>
+              <a:t>.</a:t>
+            </a:r>
+            <a:r>
+              <a:rPr lang="cs-CZ" dirty="0" smtClean="0"/>
+              <a:t>Schedule</a:t>
+            </a:r>
+            <a:r>
+              <a:rPr lang="en-US" dirty="0" smtClean="0"/>
+              <a:t>.</a:t>
+            </a:r>
+            <a:r>
+              <a:rPr lang="en-US" dirty="0" smtClean="0">
                 <a:solidFill>
                   <a:schemeClr val="accent6">
                     <a:lumMod val="50000"/>
@@ -6461,17 +6450,28 @@
             </a:r>
             <a:r>
               <a:rPr lang="en-US" dirty="0" smtClean="0"/>
-              <a:t>(x =&gt; </a:t>
-            </a:r>
-            <a:r>
-              <a:rPr lang="en-US" dirty="0" err="1" smtClean="0"/>
-              <a:t>x.cena</a:t>
+              <a:t>(x </a:t>
             </a:r>
             <a:r>
               <a:rPr lang="en-US" dirty="0" smtClean="0"/>
-              <a:t> &lt; 10000);</a:t>
-            </a:r>
-            <a:endParaRPr lang="en-US" dirty="0" smtClean="0"/>
+              <a:t>=&gt; </a:t>
+            </a:r>
+            <a:r>
+              <a:rPr lang="en-US" dirty="0" smtClean="0"/>
+              <a:t>x.</a:t>
+            </a:r>
+            <a:r>
+              <a:rPr lang="cs-CZ" dirty="0" err="1" smtClean="0"/>
+              <a:t>Price</a:t>
+            </a:r>
+            <a:r>
+              <a:rPr lang="en-US" dirty="0" smtClean="0"/>
+              <a:t> </a:t>
+            </a:r>
+            <a:r>
+              <a:rPr lang="en-US" dirty="0" smtClean="0"/>
+              <a:t>&lt; 10000);</a:t>
+            </a:r>
           </a:p>
           <a:p>
             <a:r>
@@ -6484,309 +6484,6 @@
           </a:p>
         </p:txBody>
       </p:sp>
-    </p:spTree>
-  </p:cSld>
-  <p:clrMapOvr>
-    <a:masterClrMapping/>
-  </p:clrMapOvr>
-  <p:timing>
-    <p:tnLst>
-      <p:par>
-        <p:cTn id="1" dur="indefinite" restart="never" nodeType="tmRoot"/>
-      </p:par>
-    </p:tnLst>
-  </p:timing>
-</p:sld>
-</file>
-
-<file path=ppt/slides/slide5.xml><?xml version="1.0" encoding="utf-8"?>
-<p:sld xmlns:a="http://schemas.openxmlformats.org/drawingml/2006/main" xmlns:r="http://schemas.openxmlformats.org/officeDocument/2006/relationships" xmlns:p="http://schemas.openxmlformats.org/presentationml/2006/main">
-  <p:cSld>
-    <p:spTree>
-      <p:nvGrpSpPr>
-        <p:cNvPr id="1" name=""/>
-        <p:cNvGrpSpPr/>
-        <p:nvPr/>
-      </p:nvGrpSpPr>
-      <p:grpSpPr>
-        <a:xfrm>
-          <a:off x="0" y="0"/>
-          <a:ext cx="0" cy="0"/>
-          <a:chOff x="0" y="0"/>
-          <a:chExt cx="0" cy="0"/>
-        </a:xfrm>
-      </p:grpSpPr>
-      <p:sp>
-        <p:nvSpPr>
-          <p:cNvPr id="3" name="Nadpis 3"/>
-          <p:cNvSpPr>
-            <a:spLocks noGrp="1"/>
-          </p:cNvSpPr>
-          <p:nvPr>
-            <p:ph type="title"/>
-          </p:nvPr>
-        </p:nvSpPr>
-        <p:spPr>
-          <a:xfrm>
-            <a:off x="457200" y="274638"/>
-            <a:ext cx="8229600" cy="368280"/>
-          </a:xfrm>
-        </p:spPr>
-        <p:txBody>
-          <a:bodyPr>
-            <a:noAutofit/>
-          </a:bodyPr>
-          <a:lstStyle/>
-          <a:p>
-            <a:r>
-              <a:rPr lang="en-US" sz="1800" dirty="0" smtClean="0"/>
-              <a:t>Data Extraction / Object model creation</a:t>
-            </a:r>
-            <a:endParaRPr lang="en-US" sz="1800" dirty="0"/>
-          </a:p>
-        </p:txBody>
-      </p:sp>
-      <p:sp>
-        <p:nvSpPr>
-          <p:cNvPr id="4" name="Obdélník 3"/>
-          <p:cNvSpPr/>
-          <p:nvPr/>
-        </p:nvSpPr>
-        <p:spPr>
-          <a:xfrm>
-            <a:off x="4143372" y="2857496"/>
-            <a:ext cx="1428760" cy="1143008"/>
-          </a:xfrm>
-          <a:prstGeom prst="rect">
-            <a:avLst/>
-          </a:prstGeom>
-          <a:solidFill>
-            <a:schemeClr val="bg1"/>
-          </a:solidFill>
-        </p:spPr>
-        <p:style>
-          <a:lnRef idx="2">
-            <a:schemeClr val="accent1">
-              <a:shade val="50000"/>
-            </a:schemeClr>
-          </a:lnRef>
-          <a:fillRef idx="1">
-            <a:schemeClr val="accent1"/>
-          </a:fillRef>
-          <a:effectRef idx="0">
-            <a:schemeClr val="accent1"/>
-          </a:effectRef>
-          <a:fontRef idx="minor">
-            <a:schemeClr val="lt1"/>
-          </a:fontRef>
-        </p:style>
-        <p:txBody>
-          <a:bodyPr rtlCol="0" anchor="ctr"/>
-          <a:lstStyle/>
-          <a:p>
-            <a:pPr algn="ctr"/>
-            <a:r>
-              <a:rPr lang="en-US" dirty="0" smtClean="0">
-                <a:solidFill>
-                  <a:schemeClr val="tx2"/>
-                </a:solidFill>
-              </a:rPr>
-              <a:t>Generic Web Extractor</a:t>
-            </a:r>
-            <a:endParaRPr lang="cs-CZ" dirty="0">
-              <a:solidFill>
-                <a:schemeClr val="tx2"/>
-              </a:solidFill>
-            </a:endParaRPr>
-          </a:p>
-        </p:txBody>
-      </p:sp>
-      <p:sp>
-        <p:nvSpPr>
-          <p:cNvPr id="5" name="Obdélník 4"/>
-          <p:cNvSpPr/>
-          <p:nvPr/>
-        </p:nvSpPr>
-        <p:spPr>
-          <a:xfrm>
-            <a:off x="6572264" y="4429132"/>
-            <a:ext cx="1785950" cy="714380"/>
-          </a:xfrm>
-          <a:prstGeom prst="rect">
-            <a:avLst/>
-          </a:prstGeom>
-          <a:solidFill>
-            <a:schemeClr val="bg1"/>
-          </a:solidFill>
-        </p:spPr>
-        <p:style>
-          <a:lnRef idx="2">
-            <a:schemeClr val="accent1">
-              <a:shade val="50000"/>
-            </a:schemeClr>
-          </a:lnRef>
-          <a:fillRef idx="1">
-            <a:schemeClr val="accent1"/>
-          </a:fillRef>
-          <a:effectRef idx="0">
-            <a:schemeClr val="accent1"/>
-          </a:effectRef>
-          <a:fontRef idx="minor">
-            <a:schemeClr val="lt1"/>
-          </a:fontRef>
-        </p:style>
-        <p:txBody>
-          <a:bodyPr rtlCol="0" anchor="ctr"/>
-          <a:lstStyle/>
-          <a:p>
-            <a:pPr algn="ctr"/>
-            <a:r>
-              <a:rPr lang="en-US" dirty="0" smtClean="0">
-                <a:solidFill>
-                  <a:schemeClr val="tx2"/>
-                </a:solidFill>
-              </a:rPr>
-              <a:t>Specific Query</a:t>
-            </a:r>
-            <a:endParaRPr lang="cs-CZ" dirty="0">
-              <a:solidFill>
-                <a:schemeClr val="tx2"/>
-              </a:solidFill>
-            </a:endParaRPr>
-          </a:p>
-        </p:txBody>
-      </p:sp>
-      <p:cxnSp>
-        <p:nvCxnSpPr>
-          <p:cNvPr id="7" name="Zakřivená spojovací čára 6"/>
-          <p:cNvCxnSpPr>
-            <a:stCxn id="5" idx="1"/>
-            <a:endCxn id="4" idx="3"/>
-          </p:cNvCxnSpPr>
-          <p:nvPr/>
-        </p:nvCxnSpPr>
-        <p:spPr>
-          <a:xfrm rot="10800000">
-            <a:off x="5572132" y="3429000"/>
-            <a:ext cx="1000132" cy="1357322"/>
-          </a:xfrm>
-          <a:prstGeom prst="curvedConnector3">
-            <a:avLst>
-              <a:gd name="adj1" fmla="val 50000"/>
-            </a:avLst>
-          </a:prstGeom>
-          <a:ln>
-            <a:tailEnd type="arrow"/>
-          </a:ln>
-        </p:spPr>
-        <p:style>
-          <a:lnRef idx="1">
-            <a:schemeClr val="accent1"/>
-          </a:lnRef>
-          <a:fillRef idx="0">
-            <a:schemeClr val="accent1"/>
-          </a:fillRef>
-          <a:effectRef idx="0">
-            <a:schemeClr val="accent1"/>
-          </a:effectRef>
-          <a:fontRef idx="minor">
-            <a:schemeClr val="tx1"/>
-          </a:fontRef>
-        </p:style>
-      </p:cxnSp>
-      <p:sp>
-        <p:nvSpPr>
-          <p:cNvPr id="10" name="Obdélník 9"/>
-          <p:cNvSpPr/>
-          <p:nvPr/>
-        </p:nvSpPr>
-        <p:spPr>
-          <a:xfrm>
-            <a:off x="1571604" y="1643050"/>
-            <a:ext cx="1428760" cy="1143008"/>
-          </a:xfrm>
-          <a:prstGeom prst="rect">
-            <a:avLst/>
-          </a:prstGeom>
-          <a:solidFill>
-            <a:schemeClr val="bg1"/>
-          </a:solidFill>
-        </p:spPr>
-        <p:style>
-          <a:lnRef idx="2">
-            <a:schemeClr val="accent1">
-              <a:shade val="50000"/>
-            </a:schemeClr>
-          </a:lnRef>
-          <a:fillRef idx="1">
-            <a:schemeClr val="accent1"/>
-          </a:fillRef>
-          <a:effectRef idx="0">
-            <a:schemeClr val="accent1"/>
-          </a:effectRef>
-          <a:fontRef idx="minor">
-            <a:schemeClr val="lt1"/>
-          </a:fontRef>
-        </p:style>
-        <p:txBody>
-          <a:bodyPr rtlCol="0" anchor="ctr"/>
-          <a:lstStyle/>
-          <a:p>
-            <a:pPr algn="ctr"/>
-            <a:r>
-              <a:rPr lang="en-US" dirty="0" smtClean="0">
-                <a:solidFill>
-                  <a:schemeClr val="tx2"/>
-                </a:solidFill>
-              </a:rPr>
-              <a:t>Typed enumeration</a:t>
-            </a:r>
-            <a:endParaRPr lang="cs-CZ" dirty="0">
-              <a:solidFill>
-                <a:schemeClr val="tx2"/>
-              </a:solidFill>
-            </a:endParaRPr>
-          </a:p>
-        </p:txBody>
-      </p:sp>
-      <p:cxnSp>
-        <p:nvCxnSpPr>
-          <p:cNvPr id="12" name="Zakřivená spojovací čára 11"/>
-          <p:cNvCxnSpPr>
-            <a:stCxn id="4" idx="1"/>
-            <a:endCxn id="10" idx="3"/>
-          </p:cNvCxnSpPr>
-          <p:nvPr/>
-        </p:nvCxnSpPr>
-        <p:spPr>
-          <a:xfrm rot="10800000">
-            <a:off x="3000364" y="2214554"/>
-            <a:ext cx="1143008" cy="1214446"/>
-          </a:xfrm>
-          <a:prstGeom prst="curvedConnector3">
-            <a:avLst>
-              <a:gd name="adj1" fmla="val 50000"/>
-            </a:avLst>
-          </a:prstGeom>
-          <a:ln>
-            <a:tailEnd type="arrow"/>
-          </a:ln>
-        </p:spPr>
-        <p:style>
-          <a:lnRef idx="1">
-            <a:schemeClr val="accent1"/>
-          </a:lnRef>
-          <a:fillRef idx="0">
-            <a:schemeClr val="accent1"/>
-          </a:fillRef>
-          <a:effectRef idx="0">
-            <a:schemeClr val="accent1"/>
-          </a:effectRef>
-          <a:fontRef idx="minor">
-            <a:schemeClr val="tx1"/>
-          </a:fontRef>
-        </p:style>
-      </p:cxnSp>
     </p:spTree>
   </p:cSld>
   <p:clrMapOvr>
